--- a/New PPTX Presentation.pptx
+++ b/New PPTX Presentation.pptx
@@ -25,6 +25,8 @@
     <p:sldId id="272" r:id="rId20"/>
     <p:sldId id="273" r:id="rId21"/>
     <p:sldId id="274" r:id="rId22"/>
+    <p:sldId id="275" r:id="rId23"/>
+    <p:sldId id="276" r:id="rId24"/>
   </p:sldIdLst>
   <p:sldSz cx="12192000" cy="6858000"/>
   <p:notesSz cx="7559675" cy="10691813"/>
@@ -82,7 +84,7 @@
         <p:txBody>
           <a:bodyPr/>
           <a:p>
-            <a:fld id="{9CC54120-B760-4D14-8B89-7740AB5B6552}" type="slidenum">
+            <a:fld id="{CC36CCED-D0CF-4605-88EB-6800AA11035F}" type="slidenum">
               <a:t>&lt;#&gt;</a:t>
             </a:fld>
           </a:p>
@@ -291,7 +293,7 @@
         <p:txBody>
           <a:bodyPr/>
           <a:p>
-            <a:fld id="{83BC065A-1226-434E-A360-8D00159CCBB5}" type="slidenum">
+            <a:fld id="{A47394A7-03CA-4745-8A62-D802E6B3DE94}" type="slidenum">
               <a:t>&lt;#&gt;</a:t>
             </a:fld>
           </a:p>
@@ -586,7 +588,7 @@
         <p:txBody>
           <a:bodyPr/>
           <a:p>
-            <a:fld id="{8C9C0D5F-79CA-4F39-BE6E-FAA94DA0ED0E}" type="slidenum">
+            <a:fld id="{43423427-C9BF-4A3D-AF1C-4CE425C2CE54}" type="slidenum">
               <a:t>&lt;#&gt;</a:t>
             </a:fld>
           </a:p>
@@ -967,7 +969,7 @@
         <p:txBody>
           <a:bodyPr/>
           <a:p>
-            <a:fld id="{C9EAD157-DB60-4FCD-9F3E-860E505A33A8}" type="slidenum">
+            <a:fld id="{2032F203-7255-434A-8D45-32B4A36B8CCF}" type="slidenum">
               <a:t>&lt;#&gt;</a:t>
             </a:fld>
           </a:p>
@@ -1050,7 +1052,7 @@
         <p:txBody>
           <a:bodyPr/>
           <a:p>
-            <a:fld id="{70F5FEFD-996A-4249-AED6-D7C3B3EBAA42}" type="slidenum">
+            <a:fld id="{71A23AAA-3D10-488A-9D64-93D96FE24604}" type="slidenum">
               <a:t>&lt;#&gt;</a:t>
             </a:fld>
           </a:p>
@@ -1213,7 +1215,7 @@
         <p:txBody>
           <a:bodyPr/>
           <a:p>
-            <a:fld id="{4F19DAA7-BED5-4E3A-8F09-5B615666D227}" type="slidenum">
+            <a:fld id="{9B1BFD83-6D94-4784-85DA-CD845665579C}" type="slidenum">
               <a:t>&lt;#&gt;</a:t>
             </a:fld>
           </a:p>
@@ -1379,7 +1381,7 @@
         <p:txBody>
           <a:bodyPr/>
           <a:p>
-            <a:fld id="{42F041EE-C805-4730-B100-7451DC1B3F13}" type="slidenum">
+            <a:fld id="{3D9FBB9F-2AA5-4E6A-BA5F-6C2D8B20C7A5}" type="slidenum">
               <a:t>&lt;#&gt;</a:t>
             </a:fld>
           </a:p>
@@ -1588,7 +1590,7 @@
         <p:txBody>
           <a:bodyPr/>
           <a:p>
-            <a:fld id="{CFA0E2BA-E2FC-42D0-A6DA-A2D12C88D41D}" type="slidenum">
+            <a:fld id="{70C24AA6-6C5E-4344-A561-9ADCEDDC5D84}" type="slidenum">
               <a:t>&lt;#&gt;</a:t>
             </a:fld>
           </a:p>
@@ -1711,7 +1713,7 @@
         <p:txBody>
           <a:bodyPr/>
           <a:p>
-            <a:fld id="{6016D8D6-4C4F-4A24-B336-3785B292AAD2}" type="slidenum">
+            <a:fld id="{18937DEB-5B2B-48A6-B176-35015F73534F}" type="slidenum">
               <a:t>&lt;#&gt;</a:t>
             </a:fld>
           </a:p>
@@ -1832,7 +1834,7 @@
         <p:txBody>
           <a:bodyPr/>
           <a:p>
-            <a:fld id="{0B49441C-1C03-4557-8C1A-1AD93562B4E1}" type="slidenum">
+            <a:fld id="{52223FEE-89F2-441D-A003-348BA72F2ED3}" type="slidenum">
               <a:t>&lt;#&gt;</a:t>
             </a:fld>
           </a:p>
@@ -2084,7 +2086,7 @@
         <p:txBody>
           <a:bodyPr/>
           <a:p>
-            <a:fld id="{473D7327-71DC-4C22-80F4-89E33AFD08E9}" type="slidenum">
+            <a:fld id="{ECE5DF70-624A-4498-BB01-DD86017D0A1A}" type="slidenum">
               <a:t>&lt;#&gt;</a:t>
             </a:fld>
           </a:p>
@@ -2247,7 +2249,7 @@
         <p:txBody>
           <a:bodyPr/>
           <a:p>
-            <a:fld id="{F3043F32-8A7B-4474-BA17-07740C2A6A31}" type="slidenum">
+            <a:fld id="{48E494FE-5C6B-4D70-B918-73970139D070}" type="slidenum">
               <a:t>&lt;#&gt;</a:t>
             </a:fld>
           </a:p>
@@ -2499,7 +2501,7 @@
         <p:txBody>
           <a:bodyPr/>
           <a:p>
-            <a:fld id="{B696BDEC-981F-410F-8256-1B0E6F6A2D45}" type="slidenum">
+            <a:fld id="{FF898703-7A2B-4112-9160-0ECCFCF35320}" type="slidenum">
               <a:t>&lt;#&gt;</a:t>
             </a:fld>
           </a:p>
@@ -2751,7 +2753,7 @@
         <p:txBody>
           <a:bodyPr/>
           <a:p>
-            <a:fld id="{09A89760-F8AA-40D3-B00A-E038A7F947F5}" type="slidenum">
+            <a:fld id="{D395709A-0C65-4512-AE0E-C95172985885}" type="slidenum">
               <a:t>&lt;#&gt;</a:t>
             </a:fld>
           </a:p>
@@ -2960,7 +2962,7 @@
         <p:txBody>
           <a:bodyPr/>
           <a:p>
-            <a:fld id="{B3804974-4369-4DC2-BBBD-8AB8C025DBB0}" type="slidenum">
+            <a:fld id="{965F28BC-592D-4B40-BAA6-99A8BDF498A8}" type="slidenum">
               <a:t>&lt;#&gt;</a:t>
             </a:fld>
           </a:p>
@@ -3255,7 +3257,7 @@
         <p:txBody>
           <a:bodyPr/>
           <a:p>
-            <a:fld id="{32AD786C-8A0B-4176-ACB3-46B6E80EB11C}" type="slidenum">
+            <a:fld id="{A27D5EEE-FDCD-488D-B9F4-01058E32550D}" type="slidenum">
               <a:t>&lt;#&gt;</a:t>
             </a:fld>
           </a:p>
@@ -3636,7 +3638,7 @@
         <p:txBody>
           <a:bodyPr/>
           <a:p>
-            <a:fld id="{820C36E4-9680-44C4-A492-56B7552D8BBD}" type="slidenum">
+            <a:fld id="{D3CE05D2-DDEA-438E-9B03-01718FF02289}" type="slidenum">
               <a:t>&lt;#&gt;</a:t>
             </a:fld>
           </a:p>
@@ -3802,7 +3804,7 @@
         <p:txBody>
           <a:bodyPr/>
           <a:p>
-            <a:fld id="{F2592037-0DF8-4BE7-A3C6-E62AC27A4823}" type="slidenum">
+            <a:fld id="{3EDE72D1-86CD-46EE-8A9C-723180BE7760}" type="slidenum">
               <a:t>&lt;#&gt;</a:t>
             </a:fld>
           </a:p>
@@ -4011,7 +4013,7 @@
         <p:txBody>
           <a:bodyPr/>
           <a:p>
-            <a:fld id="{E5942392-81C4-4B18-85D6-8EFA9E276BD7}" type="slidenum">
+            <a:fld id="{A49CF43F-4D12-4503-871E-55EF4B24A1D0}" type="slidenum">
               <a:t>&lt;#&gt;</a:t>
             </a:fld>
           </a:p>
@@ -4134,7 +4136,7 @@
         <p:txBody>
           <a:bodyPr/>
           <a:p>
-            <a:fld id="{A0397939-C076-4870-872A-30400D01B321}" type="slidenum">
+            <a:fld id="{A01C2343-7B0E-4250-9C26-A53FBD1018C1}" type="slidenum">
               <a:t>&lt;#&gt;</a:t>
             </a:fld>
           </a:p>
@@ -4255,7 +4257,7 @@
         <p:txBody>
           <a:bodyPr/>
           <a:p>
-            <a:fld id="{38CEFC9B-398F-4D92-B195-EFD5A63FCA3E}" type="slidenum">
+            <a:fld id="{6A67E2BA-07DB-430C-AC69-E7512D6E440A}" type="slidenum">
               <a:t>&lt;#&gt;</a:t>
             </a:fld>
           </a:p>
@@ -4507,7 +4509,7 @@
         <p:txBody>
           <a:bodyPr/>
           <a:p>
-            <a:fld id="{F002ADDE-FD9D-4D02-A58A-0E30788C7CC6}" type="slidenum">
+            <a:fld id="{1D0E67D4-3F19-4B9B-AB38-D84E20312226}" type="slidenum">
               <a:t>&lt;#&gt;</a:t>
             </a:fld>
           </a:p>
@@ -4759,7 +4761,7 @@
         <p:txBody>
           <a:bodyPr/>
           <a:p>
-            <a:fld id="{ACBFFD6A-2A1B-4F25-ADBF-6AAD14601E4A}" type="slidenum">
+            <a:fld id="{FD7F7B82-7AB3-4919-A36A-01F99604E1F5}" type="slidenum">
               <a:t>&lt;#&gt;</a:t>
             </a:fld>
           </a:p>
@@ -5011,7 +5013,7 @@
         <p:txBody>
           <a:bodyPr/>
           <a:p>
-            <a:fld id="{4BB7D48D-69F8-4E84-AAC3-798F022F7AAD}" type="slidenum">
+            <a:fld id="{E6EA8047-00AA-4A8F-95EE-D350F3D8AF83}" type="slidenum">
               <a:t>&lt;#&gt;</a:t>
             </a:fld>
           </a:p>
@@ -5074,287 +5076,13 @@
             <a:spLocks noGrp="1"/>
           </p:cNvSpPr>
           <p:nvPr>
-            <p:ph type="title"/>
-          </p:nvPr>
-        </p:nvSpPr>
-        <p:spPr>
-          <a:xfrm>
-            <a:off x="609480" y="273600"/>
-            <a:ext cx="10972080" cy="1144440"/>
-          </a:xfrm>
-          <a:prstGeom prst="rect">
-            <a:avLst/>
-          </a:prstGeom>
-          <a:noFill/>
-          <a:ln w="0">
-            <a:noFill/>
-          </a:ln>
-        </p:spPr>
-        <p:txBody>
-          <a:bodyPr lIns="0" rIns="0" tIns="0" bIns="0" anchor="ctr">
-            <a:noAutofit/>
-          </a:bodyPr>
-          <a:p>
-            <a:pPr indent="0">
-              <a:buNone/>
-            </a:pPr>
-            <a:r>
-              <a:rPr b="0" lang="en-IN" sz="1800" spc="-1" strike="noStrike">
-                <a:solidFill>
-                  <a:srgbClr val="000000"/>
-                </a:solidFill>
-                <a:latin typeface="Arial"/>
-              </a:rPr>
-              <a:t>Click to edit the title text format</a:t>
-            </a:r>
-            <a:endParaRPr b="0" lang="en-IN" sz="1800" spc="-1" strike="noStrike">
-              <a:solidFill>
-                <a:srgbClr val="000000"/>
-              </a:solidFill>
-              <a:latin typeface="Arial"/>
-            </a:endParaRPr>
-          </a:p>
-        </p:txBody>
-      </p:sp>
-      <p:sp>
-        <p:nvSpPr>
-          <p:cNvPr id="1" name="PlaceHolder 2"/>
-          <p:cNvSpPr>
-            <a:spLocks noGrp="1"/>
-          </p:cNvSpPr>
-          <p:nvPr>
-            <p:ph type="body"/>
-          </p:nvPr>
-        </p:nvSpPr>
-        <p:spPr>
-          <a:xfrm>
-            <a:off x="609480" y="1604520"/>
-            <a:ext cx="10972080" cy="3976920"/>
-          </a:xfrm>
-          <a:prstGeom prst="rect">
-            <a:avLst/>
-          </a:prstGeom>
-          <a:noFill/>
-          <a:ln w="0">
-            <a:noFill/>
-          </a:ln>
-        </p:spPr>
-        <p:txBody>
-          <a:bodyPr lIns="0" rIns="0" tIns="0" bIns="0" anchor="t">
-            <a:normAutofit/>
-          </a:bodyPr>
-          <a:p>
-            <a:pPr marL="432000" indent="-324000">
-              <a:spcBef>
-                <a:spcPts val="1417"/>
-              </a:spcBef>
-              <a:buClr>
-                <a:srgbClr val="000000"/>
-              </a:buClr>
-              <a:buSzPct val="45000"/>
-              <a:buFont typeface="Wingdings" charset="2"/>
-              <a:buChar char=""/>
-            </a:pPr>
-            <a:r>
-              <a:rPr b="0" lang="en-IN" sz="1800" spc="-1" strike="noStrike">
-                <a:solidFill>
-                  <a:srgbClr val="000000"/>
-                </a:solidFill>
-                <a:latin typeface="Arial"/>
-              </a:rPr>
-              <a:t>Click to edit the outline text format</a:t>
-            </a:r>
-            <a:endParaRPr b="0" lang="en-IN" sz="1800" spc="-1" strike="noStrike">
-              <a:solidFill>
-                <a:srgbClr val="000000"/>
-              </a:solidFill>
-              <a:latin typeface="Arial"/>
-            </a:endParaRPr>
-          </a:p>
-          <a:p>
-            <a:pPr lvl="1" marL="864000" indent="-324000">
-              <a:spcBef>
-                <a:spcPts val="1134"/>
-              </a:spcBef>
-              <a:buClr>
-                <a:srgbClr val="000000"/>
-              </a:buClr>
-              <a:buSzPct val="75000"/>
-              <a:buFont typeface="Symbol" charset="2"/>
-              <a:buChar char=""/>
-            </a:pPr>
-            <a:r>
-              <a:rPr b="0" lang="en-IN" sz="1800" spc="-1" strike="noStrike">
-                <a:solidFill>
-                  <a:srgbClr val="000000"/>
-                </a:solidFill>
-                <a:latin typeface="Arial"/>
-              </a:rPr>
-              <a:t>Second Outline Level</a:t>
-            </a:r>
-            <a:endParaRPr b="0" lang="en-IN" sz="1800" spc="-1" strike="noStrike">
-              <a:solidFill>
-                <a:srgbClr val="000000"/>
-              </a:solidFill>
-              <a:latin typeface="Arial"/>
-            </a:endParaRPr>
-          </a:p>
-          <a:p>
-            <a:pPr lvl="2" marL="1296000" indent="-288000">
-              <a:spcBef>
-                <a:spcPts val="850"/>
-              </a:spcBef>
-              <a:buClr>
-                <a:srgbClr val="000000"/>
-              </a:buClr>
-              <a:buSzPct val="45000"/>
-              <a:buFont typeface="Wingdings" charset="2"/>
-              <a:buChar char=""/>
-            </a:pPr>
-            <a:r>
-              <a:rPr b="0" lang="en-IN" sz="1800" spc="-1" strike="noStrike">
-                <a:solidFill>
-                  <a:srgbClr val="000000"/>
-                </a:solidFill>
-                <a:latin typeface="Arial"/>
-              </a:rPr>
-              <a:t>Third Outline Level</a:t>
-            </a:r>
-            <a:endParaRPr b="0" lang="en-IN" sz="1800" spc="-1" strike="noStrike">
-              <a:solidFill>
-                <a:srgbClr val="000000"/>
-              </a:solidFill>
-              <a:latin typeface="Arial"/>
-            </a:endParaRPr>
-          </a:p>
-          <a:p>
-            <a:pPr lvl="3" marL="1728000" indent="-216000">
-              <a:spcBef>
-                <a:spcPts val="567"/>
-              </a:spcBef>
-              <a:buClr>
-                <a:srgbClr val="000000"/>
-              </a:buClr>
-              <a:buSzPct val="75000"/>
-              <a:buFont typeface="Symbol" charset="2"/>
-              <a:buChar char=""/>
-            </a:pPr>
-            <a:r>
-              <a:rPr b="0" lang="en-IN" sz="1800" spc="-1" strike="noStrike">
-                <a:solidFill>
-                  <a:srgbClr val="000000"/>
-                </a:solidFill>
-                <a:latin typeface="Arial"/>
-              </a:rPr>
-              <a:t>Fourth Outline Level</a:t>
-            </a:r>
-            <a:endParaRPr b="0" lang="en-IN" sz="1800" spc="-1" strike="noStrike">
-              <a:solidFill>
-                <a:srgbClr val="000000"/>
-              </a:solidFill>
-              <a:latin typeface="Arial"/>
-            </a:endParaRPr>
-          </a:p>
-          <a:p>
-            <a:pPr lvl="4" marL="2160000" indent="-216000">
-              <a:spcBef>
-                <a:spcPts val="283"/>
-              </a:spcBef>
-              <a:buClr>
-                <a:srgbClr val="000000"/>
-              </a:buClr>
-              <a:buSzPct val="45000"/>
-              <a:buFont typeface="Wingdings" charset="2"/>
-              <a:buChar char=""/>
-            </a:pPr>
-            <a:r>
-              <a:rPr b="0" lang="en-IN" sz="1800" spc="-1" strike="noStrike">
-                <a:solidFill>
-                  <a:srgbClr val="000000"/>
-                </a:solidFill>
-                <a:latin typeface="Arial"/>
-              </a:rPr>
-              <a:t>Fifth Outline Level</a:t>
-            </a:r>
-            <a:endParaRPr b="0" lang="en-IN" sz="1800" spc="-1" strike="noStrike">
-              <a:solidFill>
-                <a:srgbClr val="000000"/>
-              </a:solidFill>
-              <a:latin typeface="Arial"/>
-            </a:endParaRPr>
-          </a:p>
-          <a:p>
-            <a:pPr lvl="5" marL="2592000" indent="-216000">
-              <a:spcBef>
-                <a:spcPts val="283"/>
-              </a:spcBef>
-              <a:buClr>
-                <a:srgbClr val="000000"/>
-              </a:buClr>
-              <a:buSzPct val="45000"/>
-              <a:buFont typeface="Wingdings" charset="2"/>
-              <a:buChar char=""/>
-            </a:pPr>
-            <a:r>
-              <a:rPr b="0" lang="en-IN" sz="1800" spc="-1" strike="noStrike">
-                <a:solidFill>
-                  <a:srgbClr val="000000"/>
-                </a:solidFill>
-                <a:latin typeface="Arial"/>
-              </a:rPr>
-              <a:t>Sixth Outline Level</a:t>
-            </a:r>
-            <a:endParaRPr b="0" lang="en-IN" sz="1800" spc="-1" strike="noStrike">
-              <a:solidFill>
-                <a:srgbClr val="000000"/>
-              </a:solidFill>
-              <a:latin typeface="Arial"/>
-            </a:endParaRPr>
-          </a:p>
-          <a:p>
-            <a:pPr lvl="6" marL="3024000" indent="-216000">
-              <a:spcBef>
-                <a:spcPts val="283"/>
-              </a:spcBef>
-              <a:buClr>
-                <a:srgbClr val="000000"/>
-              </a:buClr>
-              <a:buSzPct val="45000"/>
-              <a:buFont typeface="Wingdings" charset="2"/>
-              <a:buChar char=""/>
-            </a:pPr>
-            <a:r>
-              <a:rPr b="0" lang="en-IN" sz="1800" spc="-1" strike="noStrike">
-                <a:solidFill>
-                  <a:srgbClr val="000000"/>
-                </a:solidFill>
-                <a:latin typeface="Arial"/>
-              </a:rPr>
-              <a:t>Seventh Outline Level</a:t>
-            </a:r>
-            <a:endParaRPr b="0" lang="en-IN" sz="1800" spc="-1" strike="noStrike">
-              <a:solidFill>
-                <a:srgbClr val="000000"/>
-              </a:solidFill>
-              <a:latin typeface="Arial"/>
-            </a:endParaRPr>
-          </a:p>
-        </p:txBody>
-      </p:sp>
-      <p:sp>
-        <p:nvSpPr>
-          <p:cNvPr id="2" name="PlaceHolder 3"/>
-          <p:cNvSpPr>
-            <a:spLocks noGrp="1"/>
-          </p:cNvSpPr>
-          <p:nvPr>
             <p:ph type="ftr" idx="1"/>
           </p:nvPr>
         </p:nvSpPr>
         <p:spPr>
           <a:xfrm>
             <a:off x="4038480" y="6356520"/>
-            <a:ext cx="4113720" cy="363960"/>
+            <a:ext cx="4113360" cy="363600"/>
           </a:xfrm>
           <a:prstGeom prst="rect">
             <a:avLst/>
@@ -5415,7 +5143,7 @@
       </p:sp>
       <p:sp>
         <p:nvSpPr>
-          <p:cNvPr id="3" name="PlaceHolder 4"/>
+          <p:cNvPr id="1" name="PlaceHolder 2"/>
           <p:cNvSpPr>
             <a:spLocks noGrp="1"/>
           </p:cNvSpPr>
@@ -5426,7 +5154,7 @@
         <p:spPr>
           <a:xfrm>
             <a:off x="8610480" y="6356520"/>
-            <a:ext cx="2742120" cy="363960"/>
+            <a:ext cx="2741760" cy="363600"/>
           </a:xfrm>
           <a:prstGeom prst="rect">
             <a:avLst/>
@@ -5467,7 +5195,7 @@
                 <a:tab algn="l" pos="0"/>
               </a:tabLst>
             </a:pPr>
-            <a:fld id="{A211C86A-2709-48FB-9DA1-CDD3CEF7B824}" type="slidenum">
+            <a:fld id="{244D11B6-B58C-4E6D-9356-E9FBEC6CFAF4}" type="slidenum">
               <a:rPr b="0" lang="en-IN" sz="1400" spc="-1" strike="noStrike">
                 <a:solidFill>
                   <a:srgbClr val="000000"/>
@@ -5487,7 +5215,7 @@
       </p:sp>
       <p:sp>
         <p:nvSpPr>
-          <p:cNvPr id="4" name="PlaceHolder 5"/>
+          <p:cNvPr id="2" name="PlaceHolder 3"/>
           <p:cNvSpPr>
             <a:spLocks noGrp="1"/>
           </p:cNvSpPr>
@@ -5498,7 +5226,7 @@
         <p:spPr>
           <a:xfrm>
             <a:off x="838080" y="6356520"/>
-            <a:ext cx="2742120" cy="363960"/>
+            <a:ext cx="2741760" cy="363600"/>
           </a:xfrm>
           <a:prstGeom prst="rect">
             <a:avLst/>
@@ -5541,6 +5269,280 @@
                 <a:srgbClr val="000000"/>
               </a:solidFill>
               <a:latin typeface="Times New Roman"/>
+            </a:endParaRPr>
+          </a:p>
+        </p:txBody>
+      </p:sp>
+      <p:sp>
+        <p:nvSpPr>
+          <p:cNvPr id="3" name="PlaceHolder 4"/>
+          <p:cNvSpPr>
+            <a:spLocks noGrp="1"/>
+          </p:cNvSpPr>
+          <p:nvPr>
+            <p:ph type="title"/>
+          </p:nvPr>
+        </p:nvSpPr>
+        <p:spPr>
+          <a:xfrm>
+            <a:off x="609480" y="273600"/>
+            <a:ext cx="10972440" cy="1144800"/>
+          </a:xfrm>
+          <a:prstGeom prst="rect">
+            <a:avLst/>
+          </a:prstGeom>
+          <a:noFill/>
+          <a:ln w="0">
+            <a:noFill/>
+          </a:ln>
+        </p:spPr>
+        <p:txBody>
+          <a:bodyPr lIns="0" rIns="0" tIns="0" bIns="0" anchor="ctr">
+            <a:noAutofit/>
+          </a:bodyPr>
+          <a:p>
+            <a:pPr indent="0" algn="ctr">
+              <a:buNone/>
+            </a:pPr>
+            <a:r>
+              <a:rPr b="0" lang="en-IN" sz="4400" spc="-1" strike="noStrike">
+                <a:solidFill>
+                  <a:srgbClr val="000000"/>
+                </a:solidFill>
+                <a:latin typeface="Arial"/>
+              </a:rPr>
+              <a:t>Click to edit the title text format</a:t>
+            </a:r>
+            <a:endParaRPr b="0" lang="en-IN" sz="4400" spc="-1" strike="noStrike">
+              <a:solidFill>
+                <a:srgbClr val="000000"/>
+              </a:solidFill>
+              <a:latin typeface="Arial"/>
+            </a:endParaRPr>
+          </a:p>
+        </p:txBody>
+      </p:sp>
+      <p:sp>
+        <p:nvSpPr>
+          <p:cNvPr id="4" name="PlaceHolder 5"/>
+          <p:cNvSpPr>
+            <a:spLocks noGrp="1"/>
+          </p:cNvSpPr>
+          <p:nvPr>
+            <p:ph type="body"/>
+          </p:nvPr>
+        </p:nvSpPr>
+        <p:spPr>
+          <a:xfrm>
+            <a:off x="609480" y="1604520"/>
+            <a:ext cx="10972440" cy="3977280"/>
+          </a:xfrm>
+          <a:prstGeom prst="rect">
+            <a:avLst/>
+          </a:prstGeom>
+          <a:noFill/>
+          <a:ln w="0">
+            <a:noFill/>
+          </a:ln>
+        </p:spPr>
+        <p:txBody>
+          <a:bodyPr lIns="0" rIns="0" tIns="0" bIns="0" anchor="t">
+            <a:normAutofit/>
+          </a:bodyPr>
+          <a:p>
+            <a:pPr marL="432000" indent="-324000">
+              <a:spcBef>
+                <a:spcPts val="1417"/>
+              </a:spcBef>
+              <a:buClr>
+                <a:srgbClr val="000000"/>
+              </a:buClr>
+              <a:buSzPct val="45000"/>
+              <a:buFont typeface="Wingdings" charset="2"/>
+              <a:buChar char=""/>
+            </a:pPr>
+            <a:r>
+              <a:rPr b="0" lang="en-IN" sz="3200" spc="-1" strike="noStrike">
+                <a:solidFill>
+                  <a:srgbClr val="000000"/>
+                </a:solidFill>
+                <a:latin typeface="Arial"/>
+              </a:rPr>
+              <a:t>Click to edit the outline text format</a:t>
+            </a:r>
+            <a:endParaRPr b="0" lang="en-IN" sz="3200" spc="-1" strike="noStrike">
+              <a:solidFill>
+                <a:srgbClr val="000000"/>
+              </a:solidFill>
+              <a:latin typeface="Arial"/>
+            </a:endParaRPr>
+          </a:p>
+          <a:p>
+            <a:pPr lvl="1" marL="864000" indent="-324000">
+              <a:spcBef>
+                <a:spcPts val="1134"/>
+              </a:spcBef>
+              <a:buClr>
+                <a:srgbClr val="000000"/>
+              </a:buClr>
+              <a:buSzPct val="75000"/>
+              <a:buFont typeface="Symbol" charset="2"/>
+              <a:buChar char=""/>
+            </a:pPr>
+            <a:r>
+              <a:rPr b="0" lang="en-IN" sz="2800" spc="-1" strike="noStrike">
+                <a:solidFill>
+                  <a:srgbClr val="000000"/>
+                </a:solidFill>
+                <a:latin typeface="Arial"/>
+              </a:rPr>
+              <a:t>Second Outline Level</a:t>
+            </a:r>
+            <a:endParaRPr b="0" lang="en-IN" sz="2800" spc="-1" strike="noStrike">
+              <a:solidFill>
+                <a:srgbClr val="000000"/>
+              </a:solidFill>
+              <a:latin typeface="Arial"/>
+            </a:endParaRPr>
+          </a:p>
+          <a:p>
+            <a:pPr lvl="2" marL="1296000" indent="-288000">
+              <a:spcBef>
+                <a:spcPts val="850"/>
+              </a:spcBef>
+              <a:buClr>
+                <a:srgbClr val="000000"/>
+              </a:buClr>
+              <a:buSzPct val="45000"/>
+              <a:buFont typeface="Wingdings" charset="2"/>
+              <a:buChar char=""/>
+            </a:pPr>
+            <a:r>
+              <a:rPr b="0" lang="en-IN" sz="2400" spc="-1" strike="noStrike">
+                <a:solidFill>
+                  <a:srgbClr val="000000"/>
+                </a:solidFill>
+                <a:latin typeface="Arial"/>
+              </a:rPr>
+              <a:t>Third Outline Level</a:t>
+            </a:r>
+            <a:endParaRPr b="0" lang="en-IN" sz="2400" spc="-1" strike="noStrike">
+              <a:solidFill>
+                <a:srgbClr val="000000"/>
+              </a:solidFill>
+              <a:latin typeface="Arial"/>
+            </a:endParaRPr>
+          </a:p>
+          <a:p>
+            <a:pPr lvl="3" marL="1728000" indent="-216000">
+              <a:spcBef>
+                <a:spcPts val="567"/>
+              </a:spcBef>
+              <a:buClr>
+                <a:srgbClr val="000000"/>
+              </a:buClr>
+              <a:buSzPct val="75000"/>
+              <a:buFont typeface="Symbol" charset="2"/>
+              <a:buChar char=""/>
+            </a:pPr>
+            <a:r>
+              <a:rPr b="0" lang="en-IN" sz="2000" spc="-1" strike="noStrike">
+                <a:solidFill>
+                  <a:srgbClr val="000000"/>
+                </a:solidFill>
+                <a:latin typeface="Arial"/>
+              </a:rPr>
+              <a:t>Fourth Outline Level</a:t>
+            </a:r>
+            <a:endParaRPr b="0" lang="en-IN" sz="2000" spc="-1" strike="noStrike">
+              <a:solidFill>
+                <a:srgbClr val="000000"/>
+              </a:solidFill>
+              <a:latin typeface="Arial"/>
+            </a:endParaRPr>
+          </a:p>
+          <a:p>
+            <a:pPr lvl="4" marL="2160000" indent="-216000">
+              <a:spcBef>
+                <a:spcPts val="283"/>
+              </a:spcBef>
+              <a:buClr>
+                <a:srgbClr val="000000"/>
+              </a:buClr>
+              <a:buSzPct val="45000"/>
+              <a:buFont typeface="Wingdings" charset="2"/>
+              <a:buChar char=""/>
+            </a:pPr>
+            <a:r>
+              <a:rPr b="0" lang="en-IN" sz="2000" spc="-1" strike="noStrike">
+                <a:solidFill>
+                  <a:srgbClr val="000000"/>
+                </a:solidFill>
+                <a:latin typeface="Arial"/>
+              </a:rPr>
+              <a:t>Fifth Outline Level</a:t>
+            </a:r>
+            <a:endParaRPr b="0" lang="en-IN" sz="2000" spc="-1" strike="noStrike">
+              <a:solidFill>
+                <a:srgbClr val="000000"/>
+              </a:solidFill>
+              <a:latin typeface="Arial"/>
+            </a:endParaRPr>
+          </a:p>
+          <a:p>
+            <a:pPr lvl="5" marL="2592000" indent="-216000">
+              <a:spcBef>
+                <a:spcPts val="283"/>
+              </a:spcBef>
+              <a:buClr>
+                <a:srgbClr val="000000"/>
+              </a:buClr>
+              <a:buSzPct val="45000"/>
+              <a:buFont typeface="Wingdings" charset="2"/>
+              <a:buChar char=""/>
+            </a:pPr>
+            <a:r>
+              <a:rPr b="0" lang="en-IN" sz="2000" spc="-1" strike="noStrike">
+                <a:solidFill>
+                  <a:srgbClr val="000000"/>
+                </a:solidFill>
+                <a:latin typeface="Arial"/>
+              </a:rPr>
+              <a:t>Sixth Outline Level</a:t>
+            </a:r>
+            <a:endParaRPr b="0" lang="en-IN" sz="2000" spc="-1" strike="noStrike">
+              <a:solidFill>
+                <a:srgbClr val="000000"/>
+              </a:solidFill>
+              <a:latin typeface="Arial"/>
+            </a:endParaRPr>
+          </a:p>
+          <a:p>
+            <a:pPr lvl="6" marL="3024000" indent="-216000">
+              <a:spcBef>
+                <a:spcPts val="283"/>
+              </a:spcBef>
+              <a:buClr>
+                <a:srgbClr val="000000"/>
+              </a:buClr>
+              <a:buSzPct val="45000"/>
+              <a:buFont typeface="Wingdings" charset="2"/>
+              <a:buChar char=""/>
+            </a:pPr>
+            <a:r>
+              <a:rPr b="0" lang="en-IN" sz="2000" spc="-1" strike="noStrike">
+                <a:solidFill>
+                  <a:srgbClr val="000000"/>
+                </a:solidFill>
+                <a:latin typeface="Arial"/>
+              </a:rPr>
+              <a:t>Seventh Outline Level</a:t>
+            </a:r>
+            <a:endParaRPr b="0" lang="en-IN" sz="2000" spc="-1" strike="noStrike">
+              <a:solidFill>
+                <a:srgbClr val="000000"/>
+              </a:solidFill>
+              <a:latin typeface="Arial"/>
             </a:endParaRPr>
           </a:p>
         </p:txBody>
@@ -5602,7 +5604,7 @@
         <p:spPr>
           <a:xfrm>
             <a:off x="4038480" y="6356520"/>
-            <a:ext cx="4113720" cy="363960"/>
+            <a:ext cx="4113360" cy="363600"/>
           </a:xfrm>
           <a:prstGeom prst="rect">
             <a:avLst/>
@@ -5674,7 +5676,7 @@
         <p:spPr>
           <a:xfrm>
             <a:off x="8610480" y="6356520"/>
-            <a:ext cx="2742120" cy="363960"/>
+            <a:ext cx="2741760" cy="363600"/>
           </a:xfrm>
           <a:prstGeom prst="rect">
             <a:avLst/>
@@ -5715,7 +5717,7 @@
                 <a:tab algn="l" pos="0"/>
               </a:tabLst>
             </a:pPr>
-            <a:fld id="{13BED7E8-5411-4987-A48A-C7E521F28CD8}" type="slidenum">
+            <a:fld id="{9FD2A85A-D8E6-42BC-9105-FFD1DCC9D4B9}" type="slidenum">
               <a:rPr b="0" lang="en-IN" sz="1400" spc="-1" strike="noStrike">
                 <a:solidFill>
                   <a:srgbClr val="000000"/>
@@ -5746,7 +5748,7 @@
         <p:spPr>
           <a:xfrm>
             <a:off x="838080" y="6356520"/>
-            <a:ext cx="2742120" cy="363960"/>
+            <a:ext cx="2741760" cy="363600"/>
           </a:xfrm>
           <a:prstGeom prst="rect">
             <a:avLst/>
@@ -6117,7 +6119,7 @@
         <p:spPr>
           <a:xfrm>
             <a:off x="1611000" y="407880"/>
-            <a:ext cx="9142920" cy="2386440"/>
+            <a:ext cx="9142560" cy="2386080"/>
           </a:xfrm>
           <a:prstGeom prst="rect">
             <a:avLst/>
@@ -6181,7 +6183,7 @@
         <p:spPr>
           <a:xfrm>
             <a:off x="1611000" y="1140120"/>
-            <a:ext cx="9142920" cy="1654560"/>
+            <a:ext cx="9142560" cy="1654200"/>
           </a:xfrm>
           <a:prstGeom prst="rect">
             <a:avLst/>
@@ -6324,7 +6326,7 @@
         <p:spPr>
           <a:xfrm>
             <a:off x="2340000" y="4320000"/>
-            <a:ext cx="3427560" cy="1113480"/>
+            <a:ext cx="3427200" cy="1113120"/>
           </a:xfrm>
           <a:prstGeom prst="rect">
             <a:avLst/>
@@ -6511,7 +6513,7 @@
         <p:spPr>
           <a:xfrm>
             <a:off x="838080" y="360000"/>
-            <a:ext cx="10514520" cy="714240"/>
+            <a:ext cx="10514160" cy="713880"/>
           </a:xfrm>
           <a:prstGeom prst="rect">
             <a:avLst/>
@@ -6565,8 +6567,8 @@
         </p:blipFill>
         <p:spPr>
           <a:xfrm rot="21585000">
-            <a:off x="2011320" y="1492200"/>
-            <a:ext cx="6990120" cy="4214160"/>
+            <a:off x="2011320" y="1491840"/>
+            <a:ext cx="6989760" cy="4213800"/>
           </a:xfrm>
           <a:prstGeom prst="rect">
             <a:avLst/>
@@ -6619,7 +6621,7 @@
         <p:spPr>
           <a:xfrm>
             <a:off x="838080" y="360000"/>
-            <a:ext cx="10514520" cy="714240"/>
+            <a:ext cx="10514160" cy="713880"/>
           </a:xfrm>
           <a:prstGeom prst="rect">
             <a:avLst/>
@@ -6650,7 +6652,7 @@
                 </a:solidFill>
                 <a:latin typeface="Calibri Light"/>
               </a:rPr>
-              <a:t>CNN (Convolutional Neural Network)</a:t>
+              <a:t>Challenges &amp; Solutions</a:t>
             </a:r>
             <a:endParaRPr b="0" lang="en-IN" sz="2800" spc="-1" strike="noStrike">
               <a:solidFill>
@@ -6663,18 +6665,14 @@
       </p:sp>
       <p:sp>
         <p:nvSpPr>
-          <p:cNvPr id="105" name="PlaceHolder 2"/>
-          <p:cNvSpPr>
-            <a:spLocks noGrp="1"/>
-          </p:cNvSpPr>
-          <p:nvPr>
-            <p:ph/>
-          </p:nvPr>
-        </p:nvSpPr>
-        <p:spPr>
-          <a:xfrm>
-            <a:off x="1005120" y="1080000"/>
-            <a:ext cx="10514520" cy="4350240"/>
+          <p:cNvPr id="105" name=""/>
+          <p:cNvSpPr txBox="1"/>
+          <p:nvPr/>
+        </p:nvSpPr>
+        <p:spPr>
+          <a:xfrm>
+            <a:off x="1260000" y="1594080"/>
+            <a:ext cx="8460000" cy="2905920"/>
           </a:xfrm>
           <a:prstGeom prst="rect">
             <a:avLst/>
@@ -6689,178 +6687,193 @@
             <a:noAutofit/>
           </a:bodyPr>
           <a:p>
-            <a:pPr indent="0">
-              <a:lnSpc>
-                <a:spcPct val="90000"/>
-              </a:lnSpc>
-              <a:spcBef>
-                <a:spcPts val="1210"/>
-              </a:spcBef>
-              <a:buNone/>
-              <a:tabLst>
-                <a:tab algn="l" pos="0"/>
-              </a:tabLst>
-            </a:pPr>
-            <a:r>
-              <a:rPr b="0" lang="en-US" sz="2400" spc="-1" strike="noStrike">
-                <a:solidFill>
-                  <a:srgbClr val="000000"/>
-                </a:solidFill>
-                <a:latin typeface="Calibri"/>
-              </a:rPr>
-              <a:t>It can easily detect whole input </a:t>
-            </a:r>
-            <a:endParaRPr b="0" lang="en-IN" sz="2400" spc="-1" strike="noStrike">
-              <a:solidFill>
-                <a:srgbClr val="000000"/>
-              </a:solidFill>
-              <a:latin typeface="Arial"/>
-            </a:endParaRPr>
-          </a:p>
-        </p:txBody>
-      </p:sp>
-      <p:pic>
-        <p:nvPicPr>
-          <p:cNvPr id="106" name="" descr=""/>
-          <p:cNvPicPr/>
-          <p:nvPr/>
-        </p:nvPicPr>
-        <p:blipFill>
-          <a:blip r:embed="rId1"/>
-          <a:stretch/>
-        </p:blipFill>
-        <p:spPr>
-          <a:xfrm rot="21563400">
-            <a:off x="834120" y="2718720"/>
-            <a:ext cx="3655440" cy="1827360"/>
-          </a:xfrm>
-          <a:prstGeom prst="rect">
-            <a:avLst/>
-          </a:prstGeom>
-          <a:ln w="0">
-            <a:noFill/>
-          </a:ln>
-        </p:spPr>
-      </p:pic>
-      <p:sp>
-        <p:nvSpPr>
-          <p:cNvPr id="107" name=""/>
-          <p:cNvSpPr/>
-          <p:nvPr/>
-        </p:nvSpPr>
-        <p:spPr>
-          <a:xfrm>
-            <a:off x="4860000" y="3060000"/>
-            <a:ext cx="2159640" cy="1079640"/>
-          </a:xfrm>
-          <a:prstGeom prst="rightArrow">
-            <a:avLst>
-              <a:gd name="adj1" fmla="val 50000"/>
-              <a:gd name="adj2" fmla="val 50000"/>
-            </a:avLst>
-          </a:prstGeom>
-          <a:solidFill>
-            <a:schemeClr val="accent1"/>
-          </a:solidFill>
-          <a:ln w="0">
-            <a:solidFill>
-              <a:srgbClr val="1f4e79"/>
-            </a:solidFill>
-          </a:ln>
-        </p:spPr>
-        <p:style>
-          <a:lnRef idx="0"/>
-          <a:fillRef idx="0"/>
-          <a:effectRef idx="0"/>
-          <a:fontRef idx="minor"/>
-        </p:style>
-        <p:txBody>
-          <a:bodyPr lIns="90000" rIns="90000" tIns="45000" bIns="45000" anchor="ctr">
-            <a:noAutofit/>
-          </a:bodyPr>
-          <a:p>
-            <a:pPr>
-              <a:lnSpc>
-                <a:spcPct val="100000"/>
-              </a:lnSpc>
-            </a:pPr>
+            <a:pPr marL="216000" indent="-216000">
+              <a:buClr>
+                <a:srgbClr val="000000"/>
+              </a:buClr>
+              <a:buSzPct val="45000"/>
+              <a:buFont typeface="Wingdings" charset="2"/>
+              <a:buChar char=""/>
+            </a:pPr>
+            <a:r>
+              <a:rPr b="0" lang="en-IN" sz="1800" spc="-1" strike="noStrike">
+                <a:solidFill>
+                  <a:srgbClr val="000000"/>
+                </a:solidFill>
+                <a:latin typeface="Arial"/>
+              </a:rPr>
+              <a:t>Challenges with Chaotic Input:</a:t>
+            </a:r>
             <a:endParaRPr b="0" lang="en-IN" sz="1800" spc="-1" strike="noStrike">
               <a:solidFill>
                 <a:srgbClr val="000000"/>
               </a:solidFill>
               <a:latin typeface="Arial"/>
-              <a:ea typeface="DejaVu Sans"/>
-            </a:endParaRPr>
-          </a:p>
-        </p:txBody>
-      </p:sp>
-      <p:sp>
-        <p:nvSpPr>
-          <p:cNvPr id="108" name=""/>
-          <p:cNvSpPr/>
-          <p:nvPr/>
-        </p:nvSpPr>
-        <p:spPr>
-          <a:xfrm>
-            <a:off x="8100000" y="3339720"/>
-            <a:ext cx="2879640" cy="1154880"/>
-          </a:xfrm>
-          <a:prstGeom prst="rect">
-            <a:avLst/>
-          </a:prstGeom>
-          <a:noFill/>
-          <a:ln w="0">
-            <a:noFill/>
-          </a:ln>
-        </p:spPr>
-        <p:style>
-          <a:lnRef idx="0"/>
-          <a:fillRef idx="0"/>
-          <a:effectRef idx="0"/>
-          <a:fontRef idx="minor"/>
-        </p:style>
-        <p:txBody>
-          <a:bodyPr lIns="90000" rIns="90000" tIns="45000" bIns="45000" anchor="t">
-            <a:noAutofit/>
-          </a:bodyPr>
-          <a:p>
-            <a:pPr>
-              <a:lnSpc>
-                <a:spcPct val="100000"/>
-              </a:lnSpc>
-            </a:pPr>
-            <a:r>
-              <a:rPr b="0" lang="en-US" sz="2400" spc="-1" strike="noStrike">
-                <a:solidFill>
-                  <a:srgbClr val="000000"/>
-                </a:solidFill>
-                <a:latin typeface="Calibri"/>
-              </a:rPr>
-              <a:t>Detected : 5</a:t>
-            </a:r>
-            <a:endParaRPr b="0" lang="en-IN" sz="2400" spc="-1" strike="noStrike">
-              <a:solidFill>
-                <a:srgbClr val="000000"/>
-              </a:solidFill>
-              <a:latin typeface="Arial"/>
-            </a:endParaRPr>
-          </a:p>
-          <a:p>
-            <a:pPr>
-              <a:lnSpc>
-                <a:spcPct val="100000"/>
-              </a:lnSpc>
-            </a:pPr>
-            <a:r>
-              <a:rPr b="0" lang="en-US" sz="2400" spc="-1" strike="noStrike">
-                <a:solidFill>
-                  <a:srgbClr val="000000"/>
-                </a:solidFill>
-                <a:latin typeface="Calibri"/>
-              </a:rPr>
-              <a:t>Accuracy: 0.9</a:t>
-            </a:r>
-            <a:endParaRPr b="0" lang="en-IN" sz="2400" spc="-1" strike="noStrike">
+            </a:endParaRPr>
+          </a:p>
+          <a:p>
+            <a:pPr marL="216000" indent="-216000">
+              <a:buClr>
+                <a:srgbClr val="000000"/>
+              </a:buClr>
+              <a:buSzPct val="45000"/>
+              <a:buFont typeface="Wingdings" charset="2"/>
+              <a:buChar char=""/>
+            </a:pPr>
+            <a:endParaRPr b="0" lang="en-IN" sz="1800" spc="-1" strike="noStrike">
+              <a:solidFill>
+                <a:srgbClr val="000000"/>
+              </a:solidFill>
+              <a:latin typeface="Arial"/>
+            </a:endParaRPr>
+          </a:p>
+          <a:p>
+            <a:pPr lvl="3" marL="864000" indent="-216000">
+              <a:buClr>
+                <a:srgbClr val="000000"/>
+              </a:buClr>
+              <a:buSzPct val="45000"/>
+              <a:buFont typeface="Wingdings" charset="2"/>
+              <a:buChar char=""/>
+            </a:pPr>
+            <a:r>
+              <a:rPr b="0" lang="en-IN" sz="1800" spc="-1" strike="noStrike">
+                <a:solidFill>
+                  <a:srgbClr val="000000"/>
+                </a:solidFill>
+                <a:latin typeface="Arial"/>
+              </a:rPr>
+              <a:t>Low accuracy when recognizing overlapping digits or noisy data.</a:t>
+            </a:r>
+            <a:endParaRPr b="0" lang="en-IN" sz="1800" spc="-1" strike="noStrike">
+              <a:solidFill>
+                <a:srgbClr val="000000"/>
+              </a:solidFill>
+              <a:latin typeface="Arial"/>
+            </a:endParaRPr>
+          </a:p>
+          <a:p>
+            <a:pPr lvl="3" marL="864000" indent="-216000">
+              <a:buClr>
+                <a:srgbClr val="000000"/>
+              </a:buClr>
+              <a:buSzPct val="45000"/>
+              <a:buFont typeface="Wingdings" charset="2"/>
+              <a:buChar char=""/>
+            </a:pPr>
+            <a:endParaRPr b="0" lang="en-IN" sz="1800" spc="-1" strike="noStrike">
+              <a:solidFill>
+                <a:srgbClr val="000000"/>
+              </a:solidFill>
+              <a:latin typeface="Arial"/>
+            </a:endParaRPr>
+          </a:p>
+          <a:p>
+            <a:r>
+              <a:rPr b="0" lang="en-IN" sz="1800" spc="-1" strike="noStrike">
+                <a:solidFill>
+                  <a:srgbClr val="000000"/>
+                </a:solidFill>
+                <a:latin typeface="Arial"/>
+              </a:rPr>
+              <a:t>    </a:t>
+            </a:r>
+            <a:r>
+              <a:rPr b="0" lang="en-IN" sz="1800" spc="-1" strike="noStrike">
+                <a:solidFill>
+                  <a:srgbClr val="000000"/>
+                </a:solidFill>
+                <a:latin typeface="Arial"/>
+              </a:rPr>
+              <a:t>Solution:</a:t>
+            </a:r>
+            <a:endParaRPr b="0" lang="en-IN" sz="1800" spc="-1" strike="noStrike">
+              <a:solidFill>
+                <a:srgbClr val="000000"/>
+              </a:solidFill>
+              <a:latin typeface="Arial"/>
+            </a:endParaRPr>
+          </a:p>
+          <a:p>
+            <a:endParaRPr b="0" lang="en-IN" sz="1800" spc="-1" strike="noStrike">
+              <a:solidFill>
+                <a:srgbClr val="000000"/>
+              </a:solidFill>
+              <a:latin typeface="Arial"/>
+            </a:endParaRPr>
+          </a:p>
+          <a:p>
+            <a:r>
+              <a:rPr b="0" lang="en-IN" sz="1800" spc="-1" strike="noStrike">
+                <a:solidFill>
+                  <a:srgbClr val="000000"/>
+                </a:solidFill>
+                <a:latin typeface="Arial"/>
+              </a:rPr>
+              <a:t>	</a:t>
+            </a:r>
+            <a:r>
+              <a:rPr b="0" lang="en-IN" sz="1800" spc="-1" strike="noStrike">
+                <a:solidFill>
+                  <a:srgbClr val="000000"/>
+                </a:solidFill>
+                <a:latin typeface="Arial"/>
+              </a:rPr>
+              <a:t> </a:t>
+            </a:r>
+            <a:r>
+              <a:rPr b="0" lang="en-IN" sz="1800" spc="-1" strike="noStrike">
+                <a:solidFill>
+                  <a:srgbClr val="000000"/>
+                </a:solidFill>
+                <a:latin typeface="Arial"/>
+              </a:rPr>
+              <a:t>Contour Detection: Break input into sub images.</a:t>
+            </a:r>
+            <a:endParaRPr b="0" lang="en-IN" sz="1800" spc="-1" strike="noStrike">
+              <a:solidFill>
+                <a:srgbClr val="000000"/>
+              </a:solidFill>
+              <a:latin typeface="Arial"/>
+            </a:endParaRPr>
+          </a:p>
+          <a:p>
+            <a:endParaRPr b="0" lang="en-IN" sz="1800" spc="-1" strike="noStrike">
+              <a:solidFill>
+                <a:srgbClr val="000000"/>
+              </a:solidFill>
+              <a:latin typeface="Arial"/>
+            </a:endParaRPr>
+          </a:p>
+          <a:p>
+            <a:r>
+              <a:rPr b="0" lang="en-IN" sz="1800" spc="-1" strike="noStrike">
+                <a:solidFill>
+                  <a:srgbClr val="000000"/>
+                </a:solidFill>
+                <a:latin typeface="Arial"/>
+              </a:rPr>
+              <a:t>	</a:t>
+            </a:r>
+            <a:r>
+              <a:rPr b="0" lang="en-IN" sz="1800" spc="-1" strike="noStrike">
+                <a:solidFill>
+                  <a:srgbClr val="000000"/>
+                </a:solidFill>
+                <a:latin typeface="Arial"/>
+              </a:rPr>
+              <a:t> </a:t>
+            </a:r>
+            <a:r>
+              <a:rPr b="0" lang="en-IN" sz="1800" spc="-1" strike="noStrike">
+                <a:solidFill>
+                  <a:srgbClr val="000000"/>
+                </a:solidFill>
+                <a:latin typeface="Arial"/>
+              </a:rPr>
+              <a:t>Apply CNN to sub-images and recombine results.</a:t>
+            </a:r>
+            <a:endParaRPr b="0" lang="en-IN" sz="1800" spc="-1" strike="noStrike">
               <a:solidFill>
                 <a:srgbClr val="000000"/>
               </a:solidFill>
@@ -6901,7 +6914,7 @@
       </p:grpSpPr>
       <p:sp>
         <p:nvSpPr>
-          <p:cNvPr id="109" name="PlaceHolder 1"/>
+          <p:cNvPr id="106" name="PlaceHolder 1"/>
           <p:cNvSpPr>
             <a:spLocks noGrp="1"/>
           </p:cNvSpPr>
@@ -6912,7 +6925,7 @@
         <p:spPr>
           <a:xfrm>
             <a:off x="838080" y="360000"/>
-            <a:ext cx="10514520" cy="714240"/>
+            <a:ext cx="10514160" cy="713880"/>
           </a:xfrm>
           <a:prstGeom prst="rect">
             <a:avLst/>
@@ -6956,7 +6969,7 @@
       </p:sp>
       <p:sp>
         <p:nvSpPr>
-          <p:cNvPr id="110" name="PlaceHolder 2"/>
+          <p:cNvPr id="107" name="PlaceHolder 2"/>
           <p:cNvSpPr>
             <a:spLocks noGrp="1"/>
           </p:cNvSpPr>
@@ -6966,8 +6979,8 @@
         </p:nvSpPr>
         <p:spPr>
           <a:xfrm>
-            <a:off x="1005120" y="1074600"/>
-            <a:ext cx="10514520" cy="4350240"/>
+            <a:off x="1005120" y="1080000"/>
+            <a:ext cx="10514160" cy="4349880"/>
           </a:xfrm>
           <a:prstGeom prst="rect">
             <a:avLst/>
@@ -7001,101 +7014,20 @@
                 </a:solidFill>
                 <a:latin typeface="Calibri"/>
               </a:rPr>
-              <a:t>But It struggle with chaotic input</a:t>
+              <a:t>It can easily detect whole input </a:t>
             </a:r>
             <a:endParaRPr b="0" lang="en-IN" sz="2400" spc="-1" strike="noStrike">
               <a:solidFill>
                 <a:srgbClr val="000000"/>
               </a:solidFill>
               <a:latin typeface="Arial"/>
-            </a:endParaRPr>
-          </a:p>
-          <a:p>
-            <a:pPr indent="0">
-              <a:lnSpc>
-                <a:spcPct val="90000"/>
-              </a:lnSpc>
-              <a:spcBef>
-                <a:spcPts val="1210"/>
-              </a:spcBef>
-              <a:buNone/>
-              <a:tabLst>
-                <a:tab algn="l" pos="0"/>
-              </a:tabLst>
-            </a:pPr>
-            <a:r>
-              <a:rPr b="0" lang="en-US" sz="2400" spc="-1" strike="noStrike">
-                <a:solidFill>
-                  <a:srgbClr val="000000"/>
-                </a:solidFill>
-                <a:latin typeface="Calibri"/>
-              </a:rPr>
-              <a:t>If we want to extract those digits or character from image input </a:t>
-            </a:r>
-            <a:endParaRPr b="0" lang="en-IN" sz="2400" spc="-1" strike="noStrike">
-              <a:solidFill>
-                <a:srgbClr val="000000"/>
-              </a:solidFill>
-              <a:latin typeface="Arial"/>
-            </a:endParaRPr>
-          </a:p>
-        </p:txBody>
-      </p:sp>
-      <p:sp>
-        <p:nvSpPr>
-          <p:cNvPr id="111" name=""/>
-          <p:cNvSpPr/>
-          <p:nvPr/>
-        </p:nvSpPr>
-        <p:spPr>
-          <a:xfrm>
-            <a:off x="5580000" y="3240000"/>
-            <a:ext cx="2159640" cy="1079640"/>
-          </a:xfrm>
-          <a:prstGeom prst="rightArrow">
-            <a:avLst>
-              <a:gd name="adj1" fmla="val 50000"/>
-              <a:gd name="adj2" fmla="val 50000"/>
-            </a:avLst>
-          </a:prstGeom>
-          <a:solidFill>
-            <a:schemeClr val="accent1"/>
-          </a:solidFill>
-          <a:ln w="0">
-            <a:solidFill>
-              <a:srgbClr val="1f4e79"/>
-            </a:solidFill>
-          </a:ln>
-        </p:spPr>
-        <p:style>
-          <a:lnRef idx="0"/>
-          <a:fillRef idx="0"/>
-          <a:effectRef idx="0"/>
-          <a:fontRef idx="minor"/>
-        </p:style>
-        <p:txBody>
-          <a:bodyPr lIns="90000" rIns="90000" tIns="45000" bIns="45000" anchor="ctr">
-            <a:noAutofit/>
-          </a:bodyPr>
-          <a:p>
-            <a:pPr>
-              <a:lnSpc>
-                <a:spcPct val="100000"/>
-              </a:lnSpc>
-            </a:pPr>
-            <a:endParaRPr b="0" lang="en-IN" sz="1800" spc="-1" strike="noStrike">
-              <a:solidFill>
-                <a:srgbClr val="000000"/>
-              </a:solidFill>
-              <a:latin typeface="Arial"/>
-              <a:ea typeface="DejaVu Sans"/>
             </a:endParaRPr>
           </a:p>
         </p:txBody>
       </p:sp>
       <p:pic>
         <p:nvPicPr>
-          <p:cNvPr id="112" name="" descr=""/>
+          <p:cNvPr id="108" name="" descr=""/>
           <p:cNvPicPr/>
           <p:nvPr/>
         </p:nvPicPr>
@@ -7104,9 +7036,9 @@
           <a:stretch/>
         </p:blipFill>
         <p:spPr>
-          <a:xfrm>
-            <a:off x="540000" y="2340000"/>
-            <a:ext cx="4727880" cy="2909160"/>
+          <a:xfrm rot="21563400">
+            <a:off x="833760" y="2718360"/>
+            <a:ext cx="3655080" cy="1827000"/>
           </a:xfrm>
           <a:prstGeom prst="rect">
             <a:avLst/>
@@ -7118,21 +7050,28 @@
       </p:pic>
       <p:sp>
         <p:nvSpPr>
-          <p:cNvPr id="113" name=""/>
+          <p:cNvPr id="109" name=""/>
           <p:cNvSpPr/>
           <p:nvPr/>
         </p:nvSpPr>
         <p:spPr>
           <a:xfrm>
-            <a:off x="8460000" y="3240000"/>
-            <a:ext cx="2879640" cy="1154880"/>
-          </a:xfrm>
-          <a:prstGeom prst="rect">
-            <a:avLst/>
-          </a:prstGeom>
-          <a:noFill/>
-          <a:ln w="0">
-            <a:noFill/>
+            <a:off x="4860000" y="3060000"/>
+            <a:ext cx="2159280" cy="1079280"/>
+          </a:xfrm>
+          <a:prstGeom prst="rightArrow">
+            <a:avLst>
+              <a:gd name="adj1" fmla="val 50000"/>
+              <a:gd name="adj2" fmla="val 50000"/>
+            </a:avLst>
+          </a:prstGeom>
+          <a:solidFill>
+            <a:schemeClr val="accent1"/>
+          </a:solidFill>
+          <a:ln w="0">
+            <a:solidFill>
+              <a:srgbClr val="1f4e79"/>
+            </a:solidFill>
           </a:ln>
         </p:spPr>
         <p:style>
@@ -7142,7 +7081,7 @@
           <a:fontRef idx="minor"/>
         </p:style>
         <p:txBody>
-          <a:bodyPr lIns="90000" rIns="90000" tIns="45000" bIns="45000" anchor="t">
+          <a:bodyPr lIns="90000" rIns="90000" tIns="45000" bIns="45000" anchor="ctr">
             <a:noAutofit/>
           </a:bodyPr>
           <a:p>
@@ -7151,22 +7090,45 @@
                 <a:spcPct val="100000"/>
               </a:lnSpc>
             </a:pPr>
-            <a:r>
-              <a:rPr b="0" lang="en-US" sz="2400" spc="-1" strike="noStrike">
-                <a:solidFill>
-                  <a:srgbClr val="000000"/>
-                </a:solidFill>
-                <a:latin typeface="Calibri"/>
-              </a:rPr>
-              <a:t>Detected : 3</a:t>
-            </a:r>
-            <a:endParaRPr b="0" lang="en-IN" sz="2400" spc="-1" strike="noStrike">
-              <a:solidFill>
-                <a:srgbClr val="000000"/>
-              </a:solidFill>
-              <a:latin typeface="Arial"/>
-            </a:endParaRPr>
-          </a:p>
+            <a:endParaRPr b="0" lang="en-IN" sz="1800" spc="-1" strike="noStrike">
+              <a:solidFill>
+                <a:srgbClr val="000000"/>
+              </a:solidFill>
+              <a:latin typeface="Arial"/>
+              <a:ea typeface="DejaVu Sans"/>
+            </a:endParaRPr>
+          </a:p>
+        </p:txBody>
+      </p:sp>
+      <p:sp>
+        <p:nvSpPr>
+          <p:cNvPr id="110" name=""/>
+          <p:cNvSpPr/>
+          <p:nvPr/>
+        </p:nvSpPr>
+        <p:spPr>
+          <a:xfrm>
+            <a:off x="8100000" y="3339720"/>
+            <a:ext cx="2879280" cy="1154520"/>
+          </a:xfrm>
+          <a:prstGeom prst="rect">
+            <a:avLst/>
+          </a:prstGeom>
+          <a:noFill/>
+          <a:ln w="0">
+            <a:noFill/>
+          </a:ln>
+        </p:spPr>
+        <p:style>
+          <a:lnRef idx="0"/>
+          <a:fillRef idx="0"/>
+          <a:effectRef idx="0"/>
+          <a:fontRef idx="minor"/>
+        </p:style>
+        <p:txBody>
+          <a:bodyPr lIns="90000" rIns="90000" tIns="45000" bIns="45000" anchor="t">
+            <a:noAutofit/>
+          </a:bodyPr>
           <a:p>
             <a:pPr>
               <a:lnSpc>
@@ -7179,8 +7141,32 @@
                   <a:srgbClr val="000000"/>
                 </a:solidFill>
                 <a:latin typeface="Calibri"/>
-              </a:rPr>
-              <a:t>Accuracy: 0.1</a:t>
+                <a:ea typeface="DejaVu Sans"/>
+              </a:rPr>
+              <a:t>Detected : 5</a:t>
+            </a:r>
+            <a:endParaRPr b="0" lang="en-IN" sz="2400" spc="-1" strike="noStrike">
+              <a:solidFill>
+                <a:srgbClr val="000000"/>
+              </a:solidFill>
+              <a:latin typeface="Arial"/>
+            </a:endParaRPr>
+          </a:p>
+          <a:p>
+            <a:pPr>
+              <a:lnSpc>
+                <a:spcPct val="100000"/>
+              </a:lnSpc>
+            </a:pPr>
+            <a:r>
+              <a:rPr b="0" lang="en-US" sz="2400" spc="-1" strike="noStrike">
+                <a:solidFill>
+                  <a:srgbClr val="000000"/>
+                </a:solidFill>
+                <a:latin typeface="Calibri"/>
+                <a:ea typeface="DejaVu Sans"/>
+              </a:rPr>
+              <a:t>Accuracy: 0.9</a:t>
             </a:r>
             <a:endParaRPr b="0" lang="en-IN" sz="2400" spc="-1" strike="noStrike">
               <a:solidFill>
@@ -7223,7 +7209,7 @@
       </p:grpSpPr>
       <p:sp>
         <p:nvSpPr>
-          <p:cNvPr id="114" name="PlaceHolder 1"/>
+          <p:cNvPr id="111" name="PlaceHolder 1"/>
           <p:cNvSpPr>
             <a:spLocks noGrp="1"/>
           </p:cNvSpPr>
@@ -7233,8 +7219,8 @@
         </p:nvSpPr>
         <p:spPr>
           <a:xfrm>
-            <a:off x="720000" y="540000"/>
-            <a:ext cx="10514520" cy="714240"/>
+            <a:off x="838080" y="360000"/>
+            <a:ext cx="10514160" cy="713880"/>
           </a:xfrm>
           <a:prstGeom prst="rect">
             <a:avLst/>
@@ -7246,6 +7232,61 @@
         </p:spPr>
         <p:txBody>
           <a:bodyPr lIns="90000" rIns="90000" tIns="45000" bIns="45000" anchor="ctr">
+            <a:noAutofit/>
+          </a:bodyPr>
+          <a:p>
+            <a:pPr indent="0">
+              <a:lnSpc>
+                <a:spcPct val="90000"/>
+              </a:lnSpc>
+              <a:buNone/>
+              <a:tabLst>
+                <a:tab algn="l" pos="0"/>
+              </a:tabLst>
+            </a:pPr>
+            <a:r>
+              <a:rPr b="0" lang="en-IN" sz="2800" spc="-1" strike="noStrike">
+                <a:solidFill>
+                  <a:srgbClr val="000000"/>
+                </a:solidFill>
+                <a:latin typeface="Calibri Light"/>
+              </a:rPr>
+              <a:t>CNN (Convolutional Neural Network)</a:t>
+            </a:r>
+            <a:endParaRPr b="0" lang="en-IN" sz="2800" spc="-1" strike="noStrike">
+              <a:solidFill>
+                <a:srgbClr val="000000"/>
+              </a:solidFill>
+              <a:latin typeface="Arial"/>
+            </a:endParaRPr>
+          </a:p>
+        </p:txBody>
+      </p:sp>
+      <p:sp>
+        <p:nvSpPr>
+          <p:cNvPr id="112" name="PlaceHolder 2"/>
+          <p:cNvSpPr>
+            <a:spLocks noGrp="1"/>
+          </p:cNvSpPr>
+          <p:nvPr>
+            <p:ph/>
+          </p:nvPr>
+        </p:nvSpPr>
+        <p:spPr>
+          <a:xfrm>
+            <a:off x="1005120" y="1074600"/>
+            <a:ext cx="10514160" cy="4349880"/>
+          </a:xfrm>
+          <a:prstGeom prst="rect">
+            <a:avLst/>
+          </a:prstGeom>
+          <a:noFill/>
+          <a:ln w="0">
+            <a:noFill/>
+          </a:ln>
+        </p:spPr>
+        <p:txBody>
+          <a:bodyPr lIns="90000" rIns="90000" tIns="45000" bIns="45000" anchor="t">
             <a:noAutofit/>
           </a:bodyPr>
           <a:p>
@@ -7268,7 +7309,7 @@
                 </a:solidFill>
                 <a:latin typeface="Calibri"/>
               </a:rPr>
-              <a:t>So how we going to solve it - Using Conture</a:t>
+              <a:t>But It struggle with chaotic input</a:t>
             </a:r>
             <a:endParaRPr b="0" lang="en-IN" sz="2400" spc="-1" strike="noStrike">
               <a:solidFill>
@@ -7277,23 +7318,52 @@
               <a:latin typeface="Arial"/>
             </a:endParaRPr>
           </a:p>
-        </p:txBody>
-      </p:sp>
-      <p:sp>
-        <p:nvSpPr>
-          <p:cNvPr id="115" name=""/>
+          <a:p>
+            <a:pPr indent="0">
+              <a:lnSpc>
+                <a:spcPct val="90000"/>
+              </a:lnSpc>
+              <a:spcBef>
+                <a:spcPts val="1210"/>
+              </a:spcBef>
+              <a:buNone/>
+              <a:tabLst>
+                <a:tab algn="l" pos="0"/>
+              </a:tabLst>
+            </a:pPr>
+            <a:r>
+              <a:rPr b="0" lang="en-US" sz="2400" spc="-1" strike="noStrike">
+                <a:solidFill>
+                  <a:srgbClr val="000000"/>
+                </a:solidFill>
+                <a:latin typeface="Calibri"/>
+              </a:rPr>
+              <a:t>If we want to extract those digits or character from image input </a:t>
+            </a:r>
+            <a:endParaRPr b="0" lang="en-IN" sz="2400" spc="-1" strike="noStrike">
+              <a:solidFill>
+                <a:srgbClr val="000000"/>
+              </a:solidFill>
+              <a:latin typeface="Arial"/>
+            </a:endParaRPr>
+          </a:p>
+        </p:txBody>
+      </p:sp>
+      <p:sp>
+        <p:nvSpPr>
+          <p:cNvPr id="113" name=""/>
           <p:cNvSpPr/>
           <p:nvPr/>
         </p:nvSpPr>
         <p:spPr>
           <a:xfrm>
-            <a:off x="5220000" y="3600000"/>
-            <a:ext cx="1619640" cy="719640"/>
+            <a:off x="5580000" y="3240000"/>
+            <a:ext cx="2159280" cy="1079280"/>
           </a:xfrm>
           <a:prstGeom prst="rightArrow">
             <a:avLst>
               <a:gd name="adj1" fmla="val 50000"/>
-              <a:gd name="adj2" fmla="val 56250"/>
+              <a:gd name="adj2" fmla="val 50000"/>
             </a:avLst>
           </a:prstGeom>
           <a:solidFill>
@@ -7333,7 +7403,7 @@
       </p:sp>
       <p:pic>
         <p:nvPicPr>
-          <p:cNvPr id="116" name="" descr=""/>
+          <p:cNvPr id="114" name="" descr=""/>
           <p:cNvPicPr/>
           <p:nvPr/>
         </p:nvPicPr>
@@ -7343,8 +7413,8 @@
         </p:blipFill>
         <p:spPr>
           <a:xfrm>
-            <a:off x="720000" y="2880000"/>
-            <a:ext cx="4007880" cy="2466000"/>
+            <a:off x="540000" y="2340000"/>
+            <a:ext cx="4727520" cy="2908800"/>
           </a:xfrm>
           <a:prstGeom prst="rect">
             <a:avLst/>
@@ -7356,14 +7426,14 @@
       </p:pic>
       <p:sp>
         <p:nvSpPr>
-          <p:cNvPr id="117" name="PlaceHolder 22"/>
+          <p:cNvPr id="115" name=""/>
           <p:cNvSpPr/>
           <p:nvPr/>
         </p:nvSpPr>
         <p:spPr>
           <a:xfrm>
-            <a:off x="1080000" y="1445400"/>
-            <a:ext cx="10514520" cy="714240"/>
+            <a:off x="8460000" y="3240000"/>
+            <a:ext cx="2879280" cy="1154520"/>
           </a:xfrm>
           <a:prstGeom prst="rect">
             <a:avLst/>
@@ -7380,20 +7450,14 @@
           <a:fontRef idx="minor"/>
         </p:style>
         <p:txBody>
-          <a:bodyPr lIns="90000" rIns="90000" tIns="45000" bIns="45000" anchor="ctr">
+          <a:bodyPr lIns="90000" rIns="90000" tIns="45000" bIns="45000" anchor="t">
             <a:noAutofit/>
           </a:bodyPr>
           <a:p>
             <a:pPr>
               <a:lnSpc>
-                <a:spcPct val="90000"/>
+                <a:spcPct val="100000"/>
               </a:lnSpc>
-              <a:spcBef>
-                <a:spcPts val="1210"/>
-              </a:spcBef>
-              <a:tabLst>
-                <a:tab algn="l" pos="0"/>
-              </a:tabLst>
             </a:pPr>
             <a:r>
               <a:rPr b="0" lang="en-US" sz="2400" spc="-1" strike="noStrike">
@@ -7401,8 +7465,9 @@
                   <a:srgbClr val="000000"/>
                 </a:solidFill>
                 <a:latin typeface="Calibri"/>
-              </a:rPr>
-              <a:t>We will break the input into sub input and on those sub inputs we would apply cnn method after that we would add those detected digit at one string and that would be our result</a:t>
+                <a:ea typeface="DejaVu Sans"/>
+              </a:rPr>
+              <a:t>Detected : 3</a:t>
             </a:r>
             <a:endParaRPr b="0" lang="en-IN" sz="2400" spc="-1" strike="noStrike">
               <a:solidFill>
@@ -7411,31 +7476,31 @@
               <a:latin typeface="Arial"/>
             </a:endParaRPr>
           </a:p>
-        </p:txBody>
-      </p:sp>
-      <p:pic>
-        <p:nvPicPr>
-          <p:cNvPr id="118" name="" descr=""/>
-          <p:cNvPicPr/>
-          <p:nvPr/>
-        </p:nvPicPr>
-        <p:blipFill>
-          <a:blip r:embed="rId2"/>
-          <a:stretch/>
-        </p:blipFill>
-        <p:spPr>
-          <a:xfrm>
-            <a:off x="7354080" y="2947320"/>
-            <a:ext cx="3985560" cy="2452320"/>
-          </a:xfrm>
-          <a:prstGeom prst="rect">
-            <a:avLst/>
-          </a:prstGeom>
-          <a:ln w="0">
-            <a:noFill/>
-          </a:ln>
-        </p:spPr>
-      </p:pic>
+          <a:p>
+            <a:pPr>
+              <a:lnSpc>
+                <a:spcPct val="100000"/>
+              </a:lnSpc>
+            </a:pPr>
+            <a:r>
+              <a:rPr b="0" lang="en-US" sz="2400" spc="-1" strike="noStrike">
+                <a:solidFill>
+                  <a:srgbClr val="000000"/>
+                </a:solidFill>
+                <a:latin typeface="Calibri"/>
+                <a:ea typeface="DejaVu Sans"/>
+              </a:rPr>
+              <a:t>Accuracy: 0.1</a:t>
+            </a:r>
+            <a:endParaRPr b="0" lang="en-IN" sz="2400" spc="-1" strike="noStrike">
+              <a:solidFill>
+                <a:srgbClr val="000000"/>
+              </a:solidFill>
+              <a:latin typeface="Arial"/>
+            </a:endParaRPr>
+          </a:p>
+        </p:txBody>
+      </p:sp>
     </p:spTree>
   </p:cSld>
   <mc:AlternateContent>
@@ -7468,7 +7533,7 @@
       </p:grpSpPr>
       <p:sp>
         <p:nvSpPr>
-          <p:cNvPr id="119" name="PlaceHolder 1"/>
+          <p:cNvPr id="116" name="PlaceHolder 1"/>
           <p:cNvSpPr>
             <a:spLocks noGrp="1"/>
           </p:cNvSpPr>
@@ -7478,8 +7543,8 @@
         </p:nvSpPr>
         <p:spPr>
           <a:xfrm>
-            <a:off x="645120" y="360000"/>
-            <a:ext cx="10514520" cy="714240"/>
+            <a:off x="720000" y="540000"/>
+            <a:ext cx="10514160" cy="713880"/>
           </a:xfrm>
           <a:prstGeom prst="rect">
             <a:avLst/>
@@ -7513,7 +7578,7 @@
                 </a:solidFill>
                 <a:latin typeface="Calibri"/>
               </a:rPr>
-              <a:t>So how we going to solve it</a:t>
+              <a:t>So how we going to solve it - Using Conture</a:t>
             </a:r>
             <a:endParaRPr b="0" lang="en-IN" sz="2400" spc="-1" strike="noStrike">
               <a:solidFill>
@@ -7526,14 +7591,14 @@
       </p:sp>
       <p:sp>
         <p:nvSpPr>
-          <p:cNvPr id="120" name=""/>
+          <p:cNvPr id="117" name=""/>
           <p:cNvSpPr/>
           <p:nvPr/>
         </p:nvSpPr>
         <p:spPr>
           <a:xfrm>
             <a:off x="5220000" y="3600000"/>
-            <a:ext cx="1619640" cy="719640"/>
+            <a:ext cx="1619280" cy="719280"/>
           </a:xfrm>
           <a:prstGeom prst="rightArrow">
             <a:avLst>
@@ -7576,16 +7641,39 @@
           </a:p>
         </p:txBody>
       </p:sp>
-      <p:sp>
-        <p:nvSpPr>
-          <p:cNvPr id="121" name="PlaceHolder 20"/>
+      <p:pic>
+        <p:nvPicPr>
+          <p:cNvPr id="118" name="" descr=""/>
+          <p:cNvPicPr/>
+          <p:nvPr/>
+        </p:nvPicPr>
+        <p:blipFill>
+          <a:blip r:embed="rId1"/>
+          <a:stretch/>
+        </p:blipFill>
+        <p:spPr>
+          <a:xfrm>
+            <a:off x="720000" y="2880000"/>
+            <a:ext cx="4007520" cy="2465640"/>
+          </a:xfrm>
+          <a:prstGeom prst="rect">
+            <a:avLst/>
+          </a:prstGeom>
+          <a:ln w="0">
+            <a:noFill/>
+          </a:ln>
+        </p:spPr>
+      </p:pic>
+      <p:sp>
+        <p:nvSpPr>
+          <p:cNvPr id="119" name="PlaceHolder 22"/>
           <p:cNvSpPr/>
           <p:nvPr/>
         </p:nvSpPr>
         <p:spPr>
           <a:xfrm>
-            <a:off x="900000" y="1265400"/>
-            <a:ext cx="10514520" cy="714240"/>
+            <a:off x="1080000" y="1445400"/>
+            <a:ext cx="10514160" cy="713880"/>
           </a:xfrm>
           <a:prstGeom prst="rect">
             <a:avLst/>
@@ -7623,8 +7711,9 @@
                   <a:srgbClr val="000000"/>
                 </a:solidFill>
                 <a:latin typeface="Calibri"/>
-              </a:rPr>
-              <a:t>We will break the input into sub input and on those sub inputs we would apply cnn method after that we would becom those detected digit at one string and that would be our result</a:t>
+                <a:ea typeface="DejaVu Sans"/>
+              </a:rPr>
+              <a:t>We will break the input into sub input and on those sub inputs we would apply cnn method after that we would add those detected digit at one string and that would be our result</a:t>
             </a:r>
             <a:endParaRPr b="0" lang="en-IN" sz="2400" spc="-1" strike="noStrike">
               <a:solidFill>
@@ -7637,18 +7726,18 @@
       </p:sp>
       <p:pic>
         <p:nvPicPr>
-          <p:cNvPr id="122" name="" descr=""/>
+          <p:cNvPr id="120" name="" descr=""/>
           <p:cNvPicPr/>
           <p:nvPr/>
         </p:nvPicPr>
         <p:blipFill>
-          <a:blip r:embed="rId1"/>
+          <a:blip r:embed="rId2"/>
           <a:stretch/>
         </p:blipFill>
         <p:spPr>
           <a:xfrm>
-            <a:off x="1054080" y="2947320"/>
-            <a:ext cx="3985560" cy="2452320"/>
+            <a:off x="7354080" y="2947320"/>
+            <a:ext cx="3985200" cy="2451960"/>
           </a:xfrm>
           <a:prstGeom prst="rect">
             <a:avLst/>
@@ -7658,143 +7747,6 @@
           </a:ln>
         </p:spPr>
       </p:pic>
-      <p:sp>
-        <p:nvSpPr>
-          <p:cNvPr id="123" name=""/>
-          <p:cNvSpPr/>
-          <p:nvPr/>
-        </p:nvSpPr>
-        <p:spPr>
-          <a:xfrm>
-            <a:off x="7200000" y="3413520"/>
-            <a:ext cx="4859640" cy="1626120"/>
-          </a:xfrm>
-          <a:prstGeom prst="rect">
-            <a:avLst/>
-          </a:prstGeom>
-          <a:noFill/>
-          <a:ln w="0">
-            <a:noFill/>
-          </a:ln>
-        </p:spPr>
-        <p:style>
-          <a:lnRef idx="0"/>
-          <a:fillRef idx="0"/>
-          <a:effectRef idx="0"/>
-          <a:fontRef idx="minor"/>
-        </p:style>
-        <p:txBody>
-          <a:bodyPr lIns="90000" rIns="90000" tIns="45000" bIns="45000" anchor="t">
-            <a:noAutofit/>
-          </a:bodyPr>
-          <a:p>
-            <a:pPr>
-              <a:lnSpc>
-                <a:spcPct val="100000"/>
-              </a:lnSpc>
-            </a:pPr>
-            <a:r>
-              <a:rPr b="0" lang="en-IN" sz="1800" spc="-1" strike="noStrike">
-                <a:solidFill>
-                  <a:srgbClr val="000000"/>
-                </a:solidFill>
-                <a:latin typeface="Arial"/>
-              </a:rPr>
-              <a:t>Extracted text : </a:t>
-            </a:r>
-            <a:endParaRPr b="0" lang="en-IN" sz="1800" spc="-1" strike="noStrike">
-              <a:solidFill>
-                <a:srgbClr val="000000"/>
-              </a:solidFill>
-              <a:latin typeface="Arial"/>
-            </a:endParaRPr>
-          </a:p>
-          <a:p>
-            <a:pPr>
-              <a:lnSpc>
-                <a:spcPct val="100000"/>
-              </a:lnSpc>
-            </a:pPr>
-            <a:r>
-              <a:rPr b="0" lang="en-IN" sz="1800" spc="-1" strike="noStrike">
-                <a:solidFill>
-                  <a:srgbClr val="000000"/>
-                </a:solidFill>
-                <a:latin typeface="Arial"/>
-              </a:rPr>
-              <a:t>	</a:t>
-            </a:r>
-            <a:r>
-              <a:rPr b="0" lang="en-IN" sz="1800" spc="-1" strike="noStrike">
-                <a:solidFill>
-                  <a:srgbClr val="000000"/>
-                </a:solidFill>
-                <a:latin typeface="Arial"/>
-              </a:rPr>
-              <a:t>di = 3 1415924538</a:t>
-            </a:r>
-            <a:endParaRPr b="0" lang="en-IN" sz="1800" spc="-1" strike="noStrike">
-              <a:solidFill>
-                <a:srgbClr val="000000"/>
-              </a:solidFill>
-              <a:latin typeface="Arial"/>
-            </a:endParaRPr>
-          </a:p>
-          <a:p>
-            <a:pPr>
-              <a:lnSpc>
-                <a:spcPct val="100000"/>
-              </a:lnSpc>
-            </a:pPr>
-            <a:r>
-              <a:rPr b="0" lang="en-IN" sz="1800" spc="-1" strike="noStrike">
-                <a:solidFill>
-                  <a:srgbClr val="000000"/>
-                </a:solidFill>
-                <a:latin typeface="Arial"/>
-              </a:rPr>
-              <a:t>	</a:t>
-            </a:r>
-            <a:r>
-              <a:rPr b="0" lang="en-IN" sz="1800" spc="-1" strike="noStrike">
-                <a:solidFill>
-                  <a:srgbClr val="000000"/>
-                </a:solidFill>
-                <a:latin typeface="Arial"/>
-              </a:rPr>
-              <a:t>32304634000</a:t>
-            </a:r>
-            <a:endParaRPr b="0" lang="en-IN" sz="1800" spc="-1" strike="noStrike">
-              <a:solidFill>
-                <a:srgbClr val="000000"/>
-              </a:solidFill>
-              <a:latin typeface="Arial"/>
-            </a:endParaRPr>
-          </a:p>
-          <a:p>
-            <a:pPr>
-              <a:lnSpc>
-                <a:spcPct val="100000"/>
-              </a:lnSpc>
-            </a:pPr>
-            <a:r>
-              <a:rPr b="0" lang="en-IN" sz="1800" spc="-1" strike="noStrike">
-                <a:solidFill>
-                  <a:srgbClr val="000000"/>
-                </a:solidFill>
-                <a:latin typeface="Arial"/>
-              </a:rPr>
-              <a:t>Accuracy : 0.8</a:t>
-            </a:r>
-            <a:endParaRPr b="0" lang="en-IN" sz="1800" spc="-1" strike="noStrike">
-              <a:solidFill>
-                <a:srgbClr val="000000"/>
-              </a:solidFill>
-              <a:latin typeface="Arial"/>
-            </a:endParaRPr>
-          </a:p>
-        </p:txBody>
-      </p:sp>
     </p:spTree>
   </p:cSld>
   <mc:AlternateContent>
@@ -7827,7 +7779,7 @@
       </p:grpSpPr>
       <p:sp>
         <p:nvSpPr>
-          <p:cNvPr id="124" name="PlaceHolder 1"/>
+          <p:cNvPr id="121" name="PlaceHolder 1"/>
           <p:cNvSpPr>
             <a:spLocks noGrp="1"/>
           </p:cNvSpPr>
@@ -7837,8 +7789,8 @@
         </p:nvSpPr>
         <p:spPr>
           <a:xfrm>
-            <a:off x="838080" y="365040"/>
-            <a:ext cx="10514520" cy="714240"/>
+            <a:off x="645120" y="360000"/>
+            <a:ext cx="10514160" cy="713880"/>
           </a:xfrm>
           <a:prstGeom prst="rect">
             <a:avLst/>
@@ -7857,46 +7809,56 @@
               <a:lnSpc>
                 <a:spcPct val="90000"/>
               </a:lnSpc>
+              <a:spcBef>
+                <a:spcPts val="1210"/>
+              </a:spcBef>
               <a:buNone/>
               <a:tabLst>
                 <a:tab algn="l" pos="0"/>
               </a:tabLst>
             </a:pPr>
             <a:r>
-              <a:rPr b="0" lang="en-IN" sz="2800" spc="-1" strike="noStrike">
-                <a:solidFill>
-                  <a:srgbClr val="000000"/>
-                </a:solidFill>
-                <a:latin typeface="Calibri Light"/>
-              </a:rPr>
-              <a:t>Image Preprocessing for Digit Recognition</a:t>
-            </a:r>
-            <a:endParaRPr b="0" lang="en-IN" sz="2800" spc="-1" strike="noStrike">
-              <a:solidFill>
-                <a:srgbClr val="000000"/>
-              </a:solidFill>
-              <a:latin typeface="Arial"/>
-            </a:endParaRPr>
-          </a:p>
-        </p:txBody>
-      </p:sp>
-      <p:sp>
-        <p:nvSpPr>
-          <p:cNvPr id="125" name="PlaceHolder 25"/>
+              <a:rPr b="0" lang="en-US" sz="2400" spc="-1" strike="noStrike">
+                <a:solidFill>
+                  <a:srgbClr val="000000"/>
+                </a:solidFill>
+                <a:latin typeface="Calibri"/>
+              </a:rPr>
+              <a:t>So how we going to solve it</a:t>
+            </a:r>
+            <a:endParaRPr b="0" lang="en-IN" sz="2400" spc="-1" strike="noStrike">
+              <a:solidFill>
+                <a:srgbClr val="000000"/>
+              </a:solidFill>
+              <a:latin typeface="Arial"/>
+            </a:endParaRPr>
+          </a:p>
+        </p:txBody>
+      </p:sp>
+      <p:sp>
+        <p:nvSpPr>
+          <p:cNvPr id="122" name=""/>
           <p:cNvSpPr/>
           <p:nvPr/>
         </p:nvSpPr>
         <p:spPr>
           <a:xfrm>
-            <a:off x="1080000" y="3425400"/>
-            <a:ext cx="2699640" cy="714240"/>
-          </a:xfrm>
-          <a:prstGeom prst="rect">
-            <a:avLst/>
-          </a:prstGeom>
-          <a:noFill/>
-          <a:ln w="0">
-            <a:noFill/>
+            <a:off x="5220000" y="3600000"/>
+            <a:ext cx="1619280" cy="719280"/>
+          </a:xfrm>
+          <a:prstGeom prst="rightArrow">
+            <a:avLst>
+              <a:gd name="adj1" fmla="val 50000"/>
+              <a:gd name="adj2" fmla="val 56250"/>
+            </a:avLst>
+          </a:prstGeom>
+          <a:solidFill>
+            <a:schemeClr val="accent1"/>
+          </a:solidFill>
+          <a:ln w="0">
+            <a:solidFill>
+              <a:srgbClr val="1f4e79"/>
+            </a:solidFill>
           </a:ln>
         </p:spPr>
         <p:style>
@@ -7912,54 +7874,36 @@
           <a:p>
             <a:pPr>
               <a:lnSpc>
-                <a:spcPct val="90000"/>
+                <a:spcPct val="100000"/>
               </a:lnSpc>
-              <a:tabLst>
-                <a:tab algn="l" pos="0"/>
-              </a:tabLst>
-            </a:pPr>
-            <a:r>
-              <a:rPr b="0" lang="en-IN" sz="2800" spc="-1" strike="noStrike">
-                <a:solidFill>
-                  <a:srgbClr val="000000"/>
-                </a:solidFill>
-                <a:latin typeface="Calibri Light"/>
-              </a:rPr>
-              <a:t>101X101</a:t>
-            </a:r>
-            <a:endParaRPr b="0" lang="en-IN" sz="2800" spc="-1" strike="noStrike">
-              <a:solidFill>
-                <a:srgbClr val="000000"/>
-              </a:solidFill>
-              <a:latin typeface="Arial"/>
-            </a:endParaRPr>
-          </a:p>
-        </p:txBody>
-      </p:sp>
-      <p:sp>
-        <p:nvSpPr>
-          <p:cNvPr id="126" name=""/>
+            </a:pPr>
+            <a:endParaRPr b="0" lang="en-IN" sz="1800" spc="-1" strike="noStrike">
+              <a:solidFill>
+                <a:srgbClr val="000000"/>
+              </a:solidFill>
+              <a:latin typeface="Arial"/>
+              <a:ea typeface="DejaVu Sans"/>
+            </a:endParaRPr>
+          </a:p>
+        </p:txBody>
+      </p:sp>
+      <p:sp>
+        <p:nvSpPr>
+          <p:cNvPr id="123" name="PlaceHolder 20"/>
           <p:cNvSpPr/>
           <p:nvPr/>
         </p:nvSpPr>
         <p:spPr>
           <a:xfrm>
-            <a:off x="4500000" y="1800000"/>
-            <a:ext cx="2159640" cy="1079640"/>
-          </a:xfrm>
-          <a:prstGeom prst="rightArrow">
-            <a:avLst>
-              <a:gd name="adj1" fmla="val 50000"/>
-              <a:gd name="adj2" fmla="val 50000"/>
-            </a:avLst>
-          </a:prstGeom>
-          <a:solidFill>
-            <a:schemeClr val="accent1"/>
-          </a:solidFill>
-          <a:ln w="0">
-            <a:solidFill>
-              <a:srgbClr val="1f4e79"/>
-            </a:solidFill>
+            <a:off x="900000" y="1265400"/>
+            <a:ext cx="10514160" cy="713880"/>
+          </a:xfrm>
+          <a:prstGeom prst="rect">
+            <a:avLst/>
+          </a:prstGeom>
+          <a:noFill/>
+          <a:ln w="0">
+            <a:noFill/>
           </a:ln>
         </p:spPr>
         <p:style>
@@ -7975,119 +7919,26 @@
           <a:p>
             <a:pPr>
               <a:lnSpc>
-                <a:spcPct val="100000"/>
-              </a:lnSpc>
-            </a:pPr>
-            <a:endParaRPr b="0" lang="en-IN" sz="1800" spc="-1" strike="noStrike">
-              <a:solidFill>
-                <a:srgbClr val="000000"/>
-              </a:solidFill>
-              <a:latin typeface="Arial"/>
-              <a:ea typeface="DejaVu Sans"/>
-            </a:endParaRPr>
-          </a:p>
-        </p:txBody>
-      </p:sp>
-      <p:sp>
-        <p:nvSpPr>
-          <p:cNvPr id="127" name=""/>
-          <p:cNvSpPr/>
-          <p:nvPr/>
-        </p:nvSpPr>
-        <p:spPr>
-          <a:xfrm>
-            <a:off x="4600440" y="4692240"/>
-            <a:ext cx="2159640" cy="1079640"/>
-          </a:xfrm>
-          <a:prstGeom prst="rightArrow">
-            <a:avLst>
-              <a:gd name="adj1" fmla="val 50000"/>
-              <a:gd name="adj2" fmla="val 50000"/>
-            </a:avLst>
-          </a:prstGeom>
-          <a:solidFill>
-            <a:schemeClr val="accent1"/>
-          </a:solidFill>
-          <a:ln w="0">
-            <a:solidFill>
-              <a:srgbClr val="1f4e79"/>
-            </a:solidFill>
-          </a:ln>
-        </p:spPr>
-        <p:style>
-          <a:lnRef idx="0"/>
-          <a:fillRef idx="0"/>
-          <a:effectRef idx="0"/>
-          <a:fontRef idx="minor"/>
-        </p:style>
-        <p:txBody>
-          <a:bodyPr lIns="90000" rIns="90000" tIns="45000" bIns="45000" anchor="ctr">
-            <a:noAutofit/>
-          </a:bodyPr>
-          <a:p>
-            <a:pPr>
-              <a:lnSpc>
-                <a:spcPct val="100000"/>
-              </a:lnSpc>
-            </a:pPr>
-            <a:endParaRPr b="0" lang="en-IN" sz="1800" spc="-1" strike="noStrike">
-              <a:solidFill>
-                <a:srgbClr val="000000"/>
-              </a:solidFill>
-              <a:latin typeface="Arial"/>
-              <a:ea typeface="DejaVu Sans"/>
-            </a:endParaRPr>
-          </a:p>
-        </p:txBody>
-      </p:sp>
-      <p:sp>
-        <p:nvSpPr>
-          <p:cNvPr id="128" name="PlaceHolder 18"/>
-          <p:cNvSpPr/>
-          <p:nvPr/>
-        </p:nvSpPr>
-        <p:spPr>
-          <a:xfrm>
-            <a:off x="8460000" y="3060000"/>
-            <a:ext cx="2699640" cy="714240"/>
-          </a:xfrm>
-          <a:prstGeom prst="rect">
-            <a:avLst/>
-          </a:prstGeom>
-          <a:noFill/>
-          <a:ln w="0">
-            <a:noFill/>
-          </a:ln>
-        </p:spPr>
-        <p:style>
-          <a:lnRef idx="0"/>
-          <a:fillRef idx="0"/>
-          <a:effectRef idx="0"/>
-          <a:fontRef idx="minor"/>
-        </p:style>
-        <p:txBody>
-          <a:bodyPr lIns="90000" rIns="90000" tIns="45000" bIns="45000" anchor="ctr">
-            <a:noAutofit/>
-          </a:bodyPr>
-          <a:p>
-            <a:pPr>
-              <a:lnSpc>
                 <a:spcPct val="90000"/>
               </a:lnSpc>
+              <a:spcBef>
+                <a:spcPts val="1210"/>
+              </a:spcBef>
               <a:tabLst>
                 <a:tab algn="l" pos="0"/>
               </a:tabLst>
             </a:pPr>
             <a:r>
-              <a:rPr b="0" lang="en-IN" sz="2800" spc="-1" strike="noStrike">
-                <a:solidFill>
-                  <a:srgbClr val="000000"/>
-                </a:solidFill>
-                <a:latin typeface="Calibri Light"/>
-              </a:rPr>
-              <a:t>28 X 28</a:t>
-            </a:r>
-            <a:endParaRPr b="0" lang="en-IN" sz="2800" spc="-1" strike="noStrike">
+              <a:rPr b="0" lang="en-US" sz="2400" spc="-1" strike="noStrike">
+                <a:solidFill>
+                  <a:srgbClr val="000000"/>
+                </a:solidFill>
+                <a:latin typeface="Calibri"/>
+                <a:ea typeface="DejaVu Sans"/>
+              </a:rPr>
+              <a:t>We will break the input into sub input and on those sub inputs we would apply cnn method after that we would becom those detected digit at one string and that would be our result</a:t>
+            </a:r>
+            <a:endParaRPr b="0" lang="en-IN" sz="2400" spc="-1" strike="noStrike">
               <a:solidFill>
                 <a:srgbClr val="000000"/>
               </a:solidFill>
@@ -8098,7 +7949,7 @@
       </p:sp>
       <p:pic>
         <p:nvPicPr>
-          <p:cNvPr id="129" name="" descr=""/>
+          <p:cNvPr id="124" name="" descr=""/>
           <p:cNvPicPr/>
           <p:nvPr/>
         </p:nvPicPr>
@@ -8108,8 +7959,8 @@
         </p:blipFill>
         <p:spPr>
           <a:xfrm>
-            <a:off x="900000" y="1260000"/>
-            <a:ext cx="2339640" cy="2339640"/>
+            <a:off x="1054080" y="2947320"/>
+            <a:ext cx="3985200" cy="2451960"/>
           </a:xfrm>
           <a:prstGeom prst="rect">
             <a:avLst/>
@@ -8119,75 +7970,149 @@
           </a:ln>
         </p:spPr>
       </p:pic>
-      <p:pic>
-        <p:nvPicPr>
-          <p:cNvPr id="130" name="" descr=""/>
-          <p:cNvPicPr/>
+      <p:sp>
+        <p:nvSpPr>
+          <p:cNvPr id="125" name=""/>
+          <p:cNvSpPr/>
           <p:nvPr/>
-        </p:nvPicPr>
-        <p:blipFill>
-          <a:blip r:embed="rId2"/>
-          <a:stretch/>
-        </p:blipFill>
-        <p:spPr>
-          <a:xfrm>
-            <a:off x="900000" y="3960000"/>
-            <a:ext cx="2339640" cy="2339640"/>
-          </a:xfrm>
-          <a:prstGeom prst="rect">
-            <a:avLst/>
-          </a:prstGeom>
-          <a:ln w="0">
-            <a:noFill/>
-          </a:ln>
-        </p:spPr>
-      </p:pic>
-      <p:pic>
-        <p:nvPicPr>
-          <p:cNvPr id="131" name="" descr=""/>
-          <p:cNvPicPr/>
-          <p:nvPr/>
-        </p:nvPicPr>
-        <p:blipFill>
-          <a:blip r:embed="rId3"/>
-          <a:stretch/>
-        </p:blipFill>
-        <p:spPr>
-          <a:xfrm>
-            <a:off x="8100000" y="900000"/>
-            <a:ext cx="2339640" cy="2339640"/>
-          </a:xfrm>
-          <a:prstGeom prst="rect">
-            <a:avLst/>
-          </a:prstGeom>
-          <a:ln w="0">
-            <a:noFill/>
-          </a:ln>
-        </p:spPr>
-      </p:pic>
-      <p:pic>
-        <p:nvPicPr>
-          <p:cNvPr id="132" name="" descr=""/>
-          <p:cNvPicPr/>
-          <p:nvPr/>
-        </p:nvPicPr>
-        <p:blipFill>
-          <a:blip r:embed="rId4"/>
-          <a:stretch/>
-        </p:blipFill>
-        <p:spPr>
-          <a:xfrm>
-            <a:off x="8460000" y="4140000"/>
-            <a:ext cx="2159640" cy="2159640"/>
-          </a:xfrm>
-          <a:prstGeom prst="rect">
-            <a:avLst/>
-          </a:prstGeom>
-          <a:ln w="0">
-            <a:noFill/>
-          </a:ln>
-        </p:spPr>
-      </p:pic>
+        </p:nvSpPr>
+        <p:spPr>
+          <a:xfrm>
+            <a:off x="7200000" y="3413520"/>
+            <a:ext cx="4859280" cy="1625760"/>
+          </a:xfrm>
+          <a:prstGeom prst="rect">
+            <a:avLst/>
+          </a:prstGeom>
+          <a:noFill/>
+          <a:ln w="0">
+            <a:noFill/>
+          </a:ln>
+        </p:spPr>
+        <p:style>
+          <a:lnRef idx="0"/>
+          <a:fillRef idx="0"/>
+          <a:effectRef idx="0"/>
+          <a:fontRef idx="minor"/>
+        </p:style>
+        <p:txBody>
+          <a:bodyPr lIns="90000" rIns="90000" tIns="45000" bIns="45000" anchor="t">
+            <a:noAutofit/>
+          </a:bodyPr>
+          <a:p>
+            <a:pPr>
+              <a:lnSpc>
+                <a:spcPct val="100000"/>
+              </a:lnSpc>
+            </a:pPr>
+            <a:r>
+              <a:rPr b="0" lang="en-IN" sz="1800" spc="-1" strike="noStrike">
+                <a:solidFill>
+                  <a:srgbClr val="000000"/>
+                </a:solidFill>
+                <a:latin typeface="Arial"/>
+                <a:ea typeface="DejaVu Sans"/>
+              </a:rPr>
+              <a:t>Extracted text : </a:t>
+            </a:r>
+            <a:endParaRPr b="0" lang="en-IN" sz="1800" spc="-1" strike="noStrike">
+              <a:solidFill>
+                <a:srgbClr val="000000"/>
+              </a:solidFill>
+              <a:latin typeface="Arial"/>
+            </a:endParaRPr>
+          </a:p>
+          <a:p>
+            <a:pPr>
+              <a:lnSpc>
+                <a:spcPct val="100000"/>
+              </a:lnSpc>
+            </a:pPr>
+            <a:r>
+              <a:rPr b="0" lang="en-IN" sz="1800" spc="-1" strike="noStrike">
+                <a:solidFill>
+                  <a:srgbClr val="000000"/>
+                </a:solidFill>
+                <a:latin typeface="Arial"/>
+                <a:ea typeface="DejaVu Sans"/>
+              </a:rPr>
+              <a:t>	</a:t>
+            </a:r>
+            <a:r>
+              <a:rPr b="0" lang="en-IN" sz="1800" spc="-1" strike="noStrike">
+                <a:solidFill>
+                  <a:srgbClr val="000000"/>
+                </a:solidFill>
+                <a:latin typeface="Arial"/>
+                <a:ea typeface="DejaVu Sans"/>
+              </a:rPr>
+              <a:t>di = 3 1415924538</a:t>
+            </a:r>
+            <a:endParaRPr b="0" lang="en-IN" sz="1800" spc="-1" strike="noStrike">
+              <a:solidFill>
+                <a:srgbClr val="000000"/>
+              </a:solidFill>
+              <a:latin typeface="Arial"/>
+            </a:endParaRPr>
+          </a:p>
+          <a:p>
+            <a:pPr>
+              <a:lnSpc>
+                <a:spcPct val="100000"/>
+              </a:lnSpc>
+            </a:pPr>
+            <a:r>
+              <a:rPr b="0" lang="en-IN" sz="1800" spc="-1" strike="noStrike">
+                <a:solidFill>
+                  <a:srgbClr val="000000"/>
+                </a:solidFill>
+                <a:latin typeface="Arial"/>
+                <a:ea typeface="DejaVu Sans"/>
+              </a:rPr>
+              <a:t>	</a:t>
+            </a:r>
+            <a:r>
+              <a:rPr b="0" lang="en-IN" sz="1800" spc="-1" strike="noStrike">
+                <a:solidFill>
+                  <a:srgbClr val="000000"/>
+                </a:solidFill>
+                <a:latin typeface="Arial"/>
+                <a:ea typeface="DejaVu Sans"/>
+              </a:rPr>
+              <a:t>32304634000</a:t>
+            </a:r>
+            <a:endParaRPr b="0" lang="en-IN" sz="1800" spc="-1" strike="noStrike">
+              <a:solidFill>
+                <a:srgbClr val="000000"/>
+              </a:solidFill>
+              <a:latin typeface="Arial"/>
+            </a:endParaRPr>
+          </a:p>
+          <a:p>
+            <a:pPr>
+              <a:lnSpc>
+                <a:spcPct val="100000"/>
+              </a:lnSpc>
+            </a:pPr>
+            <a:r>
+              <a:rPr b="0" lang="en-IN" sz="1800" spc="-1" strike="noStrike">
+                <a:solidFill>
+                  <a:srgbClr val="000000"/>
+                </a:solidFill>
+                <a:latin typeface="Arial"/>
+                <a:ea typeface="DejaVu Sans"/>
+              </a:rPr>
+              <a:t>Accuracy : 0.8</a:t>
+            </a:r>
+            <a:endParaRPr b="0" lang="en-IN" sz="1800" spc="-1" strike="noStrike">
+              <a:solidFill>
+                <a:srgbClr val="000000"/>
+              </a:solidFill>
+              <a:latin typeface="Arial"/>
+            </a:endParaRPr>
+          </a:p>
+        </p:txBody>
+      </p:sp>
     </p:spTree>
   </p:cSld>
   <mc:AlternateContent>
@@ -8220,7 +8145,7 @@
       </p:grpSpPr>
       <p:sp>
         <p:nvSpPr>
-          <p:cNvPr id="133" name="PlaceHolder 1"/>
+          <p:cNvPr id="126" name="PlaceHolder 1"/>
           <p:cNvSpPr>
             <a:spLocks noGrp="1"/>
           </p:cNvSpPr>
@@ -8231,7 +8156,7 @@
         <p:spPr>
           <a:xfrm>
             <a:off x="838080" y="365040"/>
-            <a:ext cx="10514520" cy="714240"/>
+            <a:ext cx="10514160" cy="713880"/>
           </a:xfrm>
           <a:prstGeom prst="rect">
             <a:avLst/>
@@ -8273,9 +8198,227 @@
           </a:p>
         </p:txBody>
       </p:sp>
+      <p:sp>
+        <p:nvSpPr>
+          <p:cNvPr id="127" name="PlaceHolder 25"/>
+          <p:cNvSpPr/>
+          <p:nvPr/>
+        </p:nvSpPr>
+        <p:spPr>
+          <a:xfrm>
+            <a:off x="1080000" y="3425400"/>
+            <a:ext cx="2699280" cy="713880"/>
+          </a:xfrm>
+          <a:prstGeom prst="rect">
+            <a:avLst/>
+          </a:prstGeom>
+          <a:noFill/>
+          <a:ln w="0">
+            <a:noFill/>
+          </a:ln>
+        </p:spPr>
+        <p:style>
+          <a:lnRef idx="0"/>
+          <a:fillRef idx="0"/>
+          <a:effectRef idx="0"/>
+          <a:fontRef idx="minor"/>
+        </p:style>
+        <p:txBody>
+          <a:bodyPr lIns="90000" rIns="90000" tIns="45000" bIns="45000" anchor="ctr">
+            <a:noAutofit/>
+          </a:bodyPr>
+          <a:p>
+            <a:pPr>
+              <a:lnSpc>
+                <a:spcPct val="90000"/>
+              </a:lnSpc>
+              <a:tabLst>
+                <a:tab algn="l" pos="0"/>
+              </a:tabLst>
+            </a:pPr>
+            <a:r>
+              <a:rPr b="0" lang="en-IN" sz="2800" spc="-1" strike="noStrike">
+                <a:solidFill>
+                  <a:srgbClr val="000000"/>
+                </a:solidFill>
+                <a:latin typeface="Calibri Light"/>
+                <a:ea typeface="DejaVu Sans"/>
+              </a:rPr>
+              <a:t>101X101</a:t>
+            </a:r>
+            <a:endParaRPr b="0" lang="en-IN" sz="2800" spc="-1" strike="noStrike">
+              <a:solidFill>
+                <a:srgbClr val="000000"/>
+              </a:solidFill>
+              <a:latin typeface="Arial"/>
+            </a:endParaRPr>
+          </a:p>
+        </p:txBody>
+      </p:sp>
+      <p:sp>
+        <p:nvSpPr>
+          <p:cNvPr id="128" name=""/>
+          <p:cNvSpPr/>
+          <p:nvPr/>
+        </p:nvSpPr>
+        <p:spPr>
+          <a:xfrm>
+            <a:off x="4500000" y="1800000"/>
+            <a:ext cx="2159280" cy="1079280"/>
+          </a:xfrm>
+          <a:prstGeom prst="rightArrow">
+            <a:avLst>
+              <a:gd name="adj1" fmla="val 50000"/>
+              <a:gd name="adj2" fmla="val 50000"/>
+            </a:avLst>
+          </a:prstGeom>
+          <a:solidFill>
+            <a:schemeClr val="accent1"/>
+          </a:solidFill>
+          <a:ln w="0">
+            <a:solidFill>
+              <a:srgbClr val="1f4e79"/>
+            </a:solidFill>
+          </a:ln>
+        </p:spPr>
+        <p:style>
+          <a:lnRef idx="0"/>
+          <a:fillRef idx="0"/>
+          <a:effectRef idx="0"/>
+          <a:fontRef idx="minor"/>
+        </p:style>
+        <p:txBody>
+          <a:bodyPr lIns="90000" rIns="90000" tIns="45000" bIns="45000" anchor="ctr">
+            <a:noAutofit/>
+          </a:bodyPr>
+          <a:p>
+            <a:pPr>
+              <a:lnSpc>
+                <a:spcPct val="100000"/>
+              </a:lnSpc>
+            </a:pPr>
+            <a:endParaRPr b="0" lang="en-IN" sz="1800" spc="-1" strike="noStrike">
+              <a:solidFill>
+                <a:srgbClr val="000000"/>
+              </a:solidFill>
+              <a:latin typeface="Arial"/>
+              <a:ea typeface="DejaVu Sans"/>
+            </a:endParaRPr>
+          </a:p>
+        </p:txBody>
+      </p:sp>
+      <p:sp>
+        <p:nvSpPr>
+          <p:cNvPr id="129" name=""/>
+          <p:cNvSpPr/>
+          <p:nvPr/>
+        </p:nvSpPr>
+        <p:spPr>
+          <a:xfrm>
+            <a:off x="4600440" y="4692240"/>
+            <a:ext cx="2159280" cy="1079280"/>
+          </a:xfrm>
+          <a:prstGeom prst="rightArrow">
+            <a:avLst>
+              <a:gd name="adj1" fmla="val 50000"/>
+              <a:gd name="adj2" fmla="val 50000"/>
+            </a:avLst>
+          </a:prstGeom>
+          <a:solidFill>
+            <a:schemeClr val="accent1"/>
+          </a:solidFill>
+          <a:ln w="0">
+            <a:solidFill>
+              <a:srgbClr val="1f4e79"/>
+            </a:solidFill>
+          </a:ln>
+        </p:spPr>
+        <p:style>
+          <a:lnRef idx="0"/>
+          <a:fillRef idx="0"/>
+          <a:effectRef idx="0"/>
+          <a:fontRef idx="minor"/>
+        </p:style>
+        <p:txBody>
+          <a:bodyPr lIns="90000" rIns="90000" tIns="45000" bIns="45000" anchor="ctr">
+            <a:noAutofit/>
+          </a:bodyPr>
+          <a:p>
+            <a:pPr>
+              <a:lnSpc>
+                <a:spcPct val="100000"/>
+              </a:lnSpc>
+            </a:pPr>
+            <a:endParaRPr b="0" lang="en-IN" sz="1800" spc="-1" strike="noStrike">
+              <a:solidFill>
+                <a:srgbClr val="000000"/>
+              </a:solidFill>
+              <a:latin typeface="Arial"/>
+              <a:ea typeface="DejaVu Sans"/>
+            </a:endParaRPr>
+          </a:p>
+        </p:txBody>
+      </p:sp>
+      <p:sp>
+        <p:nvSpPr>
+          <p:cNvPr id="130" name="PlaceHolder 18"/>
+          <p:cNvSpPr/>
+          <p:nvPr/>
+        </p:nvSpPr>
+        <p:spPr>
+          <a:xfrm>
+            <a:off x="8460000" y="3060000"/>
+            <a:ext cx="2699280" cy="713880"/>
+          </a:xfrm>
+          <a:prstGeom prst="rect">
+            <a:avLst/>
+          </a:prstGeom>
+          <a:noFill/>
+          <a:ln w="0">
+            <a:noFill/>
+          </a:ln>
+        </p:spPr>
+        <p:style>
+          <a:lnRef idx="0"/>
+          <a:fillRef idx="0"/>
+          <a:effectRef idx="0"/>
+          <a:fontRef idx="minor"/>
+        </p:style>
+        <p:txBody>
+          <a:bodyPr lIns="90000" rIns="90000" tIns="45000" bIns="45000" anchor="ctr">
+            <a:noAutofit/>
+          </a:bodyPr>
+          <a:p>
+            <a:pPr>
+              <a:lnSpc>
+                <a:spcPct val="90000"/>
+              </a:lnSpc>
+              <a:tabLst>
+                <a:tab algn="l" pos="0"/>
+              </a:tabLst>
+            </a:pPr>
+            <a:r>
+              <a:rPr b="0" lang="en-IN" sz="2800" spc="-1" strike="noStrike">
+                <a:solidFill>
+                  <a:srgbClr val="000000"/>
+                </a:solidFill>
+                <a:latin typeface="Calibri Light"/>
+                <a:ea typeface="DejaVu Sans"/>
+              </a:rPr>
+              <a:t>28 X 28</a:t>
+            </a:r>
+            <a:endParaRPr b="0" lang="en-IN" sz="2800" spc="-1" strike="noStrike">
+              <a:solidFill>
+                <a:srgbClr val="000000"/>
+              </a:solidFill>
+              <a:latin typeface="Arial"/>
+            </a:endParaRPr>
+          </a:p>
+        </p:txBody>
+      </p:sp>
       <p:pic>
         <p:nvPicPr>
-          <p:cNvPr id="134" name="Picture 1" descr="CInE3"/>
+          <p:cNvPr id="131" name="" descr=""/>
           <p:cNvPicPr/>
           <p:nvPr/>
         </p:nvPicPr>
@@ -8285,8 +8428,8 @@
         </p:blipFill>
         <p:spPr>
           <a:xfrm>
-            <a:off x="1620000" y="1980000"/>
-            <a:ext cx="3008880" cy="2640240"/>
+            <a:off x="900000" y="1260000"/>
+            <a:ext cx="2339280" cy="2339280"/>
           </a:xfrm>
           <a:prstGeom prst="rect">
             <a:avLst/>
@@ -8296,61 +8439,9 @@
           </a:ln>
         </p:spPr>
       </p:pic>
-      <p:sp>
-        <p:nvSpPr>
-          <p:cNvPr id="135" name=""/>
-          <p:cNvSpPr/>
-          <p:nvPr/>
-        </p:nvSpPr>
-        <p:spPr>
-          <a:xfrm>
-            <a:off x="5040000" y="2700000"/>
-            <a:ext cx="2159640" cy="1079640"/>
-          </a:xfrm>
-          <a:prstGeom prst="rightArrow">
-            <a:avLst>
-              <a:gd name="adj1" fmla="val 50000"/>
-              <a:gd name="adj2" fmla="val 50000"/>
-            </a:avLst>
-          </a:prstGeom>
-          <a:solidFill>
-            <a:schemeClr val="accent1"/>
-          </a:solidFill>
-          <a:ln w="0">
-            <a:solidFill>
-              <a:srgbClr val="1f4e79"/>
-            </a:solidFill>
-          </a:ln>
-        </p:spPr>
-        <p:style>
-          <a:lnRef idx="0"/>
-          <a:fillRef idx="0"/>
-          <a:effectRef idx="0"/>
-          <a:fontRef idx="minor"/>
-        </p:style>
-        <p:txBody>
-          <a:bodyPr lIns="90000" rIns="90000" tIns="45000" bIns="45000" anchor="ctr">
-            <a:noAutofit/>
-          </a:bodyPr>
-          <a:p>
-            <a:pPr>
-              <a:lnSpc>
-                <a:spcPct val="100000"/>
-              </a:lnSpc>
-            </a:pPr>
-            <a:endParaRPr b="0" lang="en-IN" sz="1800" spc="-1" strike="noStrike">
-              <a:solidFill>
-                <a:srgbClr val="000000"/>
-              </a:solidFill>
-              <a:latin typeface="Arial"/>
-              <a:ea typeface="DejaVu Sans"/>
-            </a:endParaRPr>
-          </a:p>
-        </p:txBody>
-      </p:sp>
       <p:pic>
         <p:nvPicPr>
-          <p:cNvPr id="136" name="Picture 2" descr="XDL1T"/>
+          <p:cNvPr id="132" name="" descr=""/>
           <p:cNvPicPr/>
           <p:nvPr/>
         </p:nvPicPr>
@@ -8360,8 +8451,54 @@
         </p:blipFill>
         <p:spPr>
           <a:xfrm>
-            <a:off x="7920000" y="2160000"/>
-            <a:ext cx="3013560" cy="2699640"/>
+            <a:off x="900000" y="3960000"/>
+            <a:ext cx="2339280" cy="2339280"/>
+          </a:xfrm>
+          <a:prstGeom prst="rect">
+            <a:avLst/>
+          </a:prstGeom>
+          <a:ln w="0">
+            <a:noFill/>
+          </a:ln>
+        </p:spPr>
+      </p:pic>
+      <p:pic>
+        <p:nvPicPr>
+          <p:cNvPr id="133" name="" descr=""/>
+          <p:cNvPicPr/>
+          <p:nvPr/>
+        </p:nvPicPr>
+        <p:blipFill>
+          <a:blip r:embed="rId3"/>
+          <a:stretch/>
+        </p:blipFill>
+        <p:spPr>
+          <a:xfrm>
+            <a:off x="8100000" y="900000"/>
+            <a:ext cx="2339280" cy="2339280"/>
+          </a:xfrm>
+          <a:prstGeom prst="rect">
+            <a:avLst/>
+          </a:prstGeom>
+          <a:ln w="0">
+            <a:noFill/>
+          </a:ln>
+        </p:spPr>
+      </p:pic>
+      <p:pic>
+        <p:nvPicPr>
+          <p:cNvPr id="134" name="" descr=""/>
+          <p:cNvPicPr/>
+          <p:nvPr/>
+        </p:nvPicPr>
+        <p:blipFill>
+          <a:blip r:embed="rId4"/>
+          <a:stretch/>
+        </p:blipFill>
+        <p:spPr>
+          <a:xfrm>
+            <a:off x="8460000" y="4140000"/>
+            <a:ext cx="2159280" cy="2159280"/>
           </a:xfrm>
           <a:prstGeom prst="rect">
             <a:avLst/>
@@ -8401,9 +8538,64 @@
           <a:chExt cx="0" cy="0"/>
         </a:xfrm>
       </p:grpSpPr>
+      <p:sp>
+        <p:nvSpPr>
+          <p:cNvPr id="135" name="PlaceHolder 1"/>
+          <p:cNvSpPr>
+            <a:spLocks noGrp="1"/>
+          </p:cNvSpPr>
+          <p:nvPr>
+            <p:ph type="title"/>
+          </p:nvPr>
+        </p:nvSpPr>
+        <p:spPr>
+          <a:xfrm>
+            <a:off x="838080" y="365040"/>
+            <a:ext cx="10514160" cy="713880"/>
+          </a:xfrm>
+          <a:prstGeom prst="rect">
+            <a:avLst/>
+          </a:prstGeom>
+          <a:noFill/>
+          <a:ln w="0">
+            <a:noFill/>
+          </a:ln>
+        </p:spPr>
+        <p:txBody>
+          <a:bodyPr lIns="90000" rIns="90000" tIns="45000" bIns="45000" anchor="ctr">
+            <a:noAutofit/>
+          </a:bodyPr>
+          <a:p>
+            <a:pPr indent="0">
+              <a:lnSpc>
+                <a:spcPct val="90000"/>
+              </a:lnSpc>
+              <a:buNone/>
+              <a:tabLst>
+                <a:tab algn="l" pos="0"/>
+              </a:tabLst>
+            </a:pPr>
+            <a:r>
+              <a:rPr b="0" lang="en-IN" sz="2800" spc="-1" strike="noStrike">
+                <a:solidFill>
+                  <a:srgbClr val="000000"/>
+                </a:solidFill>
+                <a:latin typeface="Calibri Light"/>
+              </a:rPr>
+              <a:t>Image Preprocessing for Digit Recognition</a:t>
+            </a:r>
+            <a:endParaRPr b="0" lang="en-IN" sz="2800" spc="-1" strike="noStrike">
+              <a:solidFill>
+                <a:srgbClr val="000000"/>
+              </a:solidFill>
+              <a:latin typeface="Arial"/>
+            </a:endParaRPr>
+          </a:p>
+        </p:txBody>
+      </p:sp>
       <p:pic>
         <p:nvPicPr>
-          <p:cNvPr id="137" name="" descr=""/>
+          <p:cNvPr id="136" name="Picture 1" descr="CInE3"/>
           <p:cNvPicPr/>
           <p:nvPr/>
         </p:nvPicPr>
@@ -8413,8 +8605,8 @@
         </p:blipFill>
         <p:spPr>
           <a:xfrm>
-            <a:off x="3240000" y="1800000"/>
-            <a:ext cx="5371560" cy="3466440"/>
+            <a:off x="1620000" y="1980000"/>
+            <a:ext cx="3008520" cy="2639880"/>
           </a:xfrm>
           <a:prstGeom prst="rect">
             <a:avLst/>
@@ -8426,21 +8618,28 @@
       </p:pic>
       <p:sp>
         <p:nvSpPr>
-          <p:cNvPr id="138" name=""/>
+          <p:cNvPr id="137" name=""/>
           <p:cNvSpPr/>
           <p:nvPr/>
         </p:nvSpPr>
         <p:spPr>
           <a:xfrm>
-            <a:off x="1010160" y="553320"/>
-            <a:ext cx="2769480" cy="346320"/>
-          </a:xfrm>
-          <a:prstGeom prst="rect">
-            <a:avLst/>
-          </a:prstGeom>
-          <a:noFill/>
-          <a:ln w="0">
-            <a:noFill/>
+            <a:off x="5040000" y="2700000"/>
+            <a:ext cx="2159280" cy="1079280"/>
+          </a:xfrm>
+          <a:prstGeom prst="rightArrow">
+            <a:avLst>
+              <a:gd name="adj1" fmla="val 50000"/>
+              <a:gd name="adj2" fmla="val 50000"/>
+            </a:avLst>
+          </a:prstGeom>
+          <a:solidFill>
+            <a:schemeClr val="accent1"/>
+          </a:solidFill>
+          <a:ln w="0">
+            <a:solidFill>
+              <a:srgbClr val="1f4e79"/>
+            </a:solidFill>
           </a:ln>
         </p:spPr>
         <p:style>
@@ -8450,7 +8649,7 @@
           <a:fontRef idx="minor"/>
         </p:style>
         <p:txBody>
-          <a:bodyPr lIns="90000" rIns="90000" tIns="45000" bIns="45000" anchor="t">
+          <a:bodyPr lIns="90000" rIns="90000" tIns="45000" bIns="45000" anchor="ctr">
             <a:noAutofit/>
           </a:bodyPr>
           <a:p>
@@ -8459,79 +8658,39 @@
                 <a:spcPct val="100000"/>
               </a:lnSpc>
             </a:pPr>
-            <a:r>
-              <a:rPr b="0" lang="en-IN" sz="1800" spc="-1" strike="noStrike">
-                <a:solidFill>
-                  <a:srgbClr val="000000"/>
-                </a:solidFill>
-                <a:latin typeface="Arial"/>
-              </a:rPr>
-              <a:t>Application is live at : </a:t>
-            </a:r>
             <a:endParaRPr b="0" lang="en-IN" sz="1800" spc="-1" strike="noStrike">
               <a:solidFill>
                 <a:srgbClr val="000000"/>
               </a:solidFill>
               <a:latin typeface="Arial"/>
-            </a:endParaRPr>
-          </a:p>
-        </p:txBody>
-      </p:sp>
-      <p:sp>
-        <p:nvSpPr>
-          <p:cNvPr id="139" name=""/>
-          <p:cNvSpPr/>
+              <a:ea typeface="DejaVu Sans"/>
+            </a:endParaRPr>
+          </a:p>
+        </p:txBody>
+      </p:sp>
+      <p:pic>
+        <p:nvPicPr>
+          <p:cNvPr id="138" name="Picture 2" descr="XDL1T"/>
+          <p:cNvPicPr/>
           <p:nvPr/>
-        </p:nvSpPr>
-        <p:spPr>
-          <a:xfrm>
-            <a:off x="3170160" y="553320"/>
-            <a:ext cx="2769480" cy="346320"/>
-          </a:xfrm>
-          <a:prstGeom prst="rect">
-            <a:avLst/>
-          </a:prstGeom>
-          <a:noFill/>
-          <a:ln w="0">
-            <a:noFill/>
-          </a:ln>
-        </p:spPr>
-        <p:style>
-          <a:lnRef idx="0"/>
-          <a:fillRef idx="0"/>
-          <a:effectRef idx="0"/>
-          <a:fontRef idx="minor"/>
-        </p:style>
-        <p:txBody>
-          <a:bodyPr lIns="90000" rIns="90000" tIns="45000" bIns="45000" anchor="t">
-            <a:noAutofit/>
-          </a:bodyPr>
-          <a:p>
-            <a:pPr>
-              <a:lnSpc>
-                <a:spcPct val="100000"/>
-              </a:lnSpc>
-            </a:pPr>
-            <a:r>
-              <a:rPr b="0" lang="en-IN" sz="1800" spc="-1" strike="noStrike" u="sng">
-                <a:solidFill>
-                  <a:srgbClr val="0563c1"/>
-                </a:solidFill>
-                <a:uFillTx/>
-                <a:latin typeface="Arial"/>
-                <a:hlinkClick r:id="rId2"/>
-              </a:rPr>
-              <a:t>https://ocr-pro.pages.dev/</a:t>
-            </a:r>
-            <a:endParaRPr b="0" lang="en-IN" sz="1800" spc="-1" strike="noStrike">
-              <a:solidFill>
-                <a:srgbClr val="000000"/>
-              </a:solidFill>
-              <a:latin typeface="Arial"/>
-            </a:endParaRPr>
-          </a:p>
-        </p:txBody>
-      </p:sp>
+        </p:nvPicPr>
+        <p:blipFill>
+          <a:blip r:embed="rId2"/>
+          <a:stretch/>
+        </p:blipFill>
+        <p:spPr>
+          <a:xfrm>
+            <a:off x="7920000" y="2160000"/>
+            <a:ext cx="3013200" cy="2699280"/>
+          </a:xfrm>
+          <a:prstGeom prst="rect">
+            <a:avLst/>
+          </a:prstGeom>
+          <a:ln w="0">
+            <a:noFill/>
+          </a:ln>
+        </p:spPr>
+      </p:pic>
     </p:spTree>
   </p:cSld>
   <mc:AlternateContent>
@@ -8562,29 +8721,238 @@
           <a:chExt cx="0" cy="0"/>
         </a:xfrm>
       </p:grpSpPr>
-      <p:pic>
-        <p:nvPicPr>
-          <p:cNvPr id="140" name="" descr=""/>
-          <p:cNvPicPr/>
+      <p:sp>
+        <p:nvSpPr>
+          <p:cNvPr id="139" name="PlaceHolder 4"/>
+          <p:cNvSpPr txBox="1"/>
           <p:nvPr/>
-        </p:nvPicPr>
-        <p:blipFill>
-          <a:blip r:embed="rId1"/>
-          <a:stretch/>
-        </p:blipFill>
-        <p:spPr>
-          <a:xfrm>
-            <a:off x="3420000" y="553680"/>
-            <a:ext cx="4859640" cy="5565960"/>
-          </a:xfrm>
-          <a:prstGeom prst="rect">
-            <a:avLst/>
-          </a:prstGeom>
-          <a:ln w="0">
-            <a:noFill/>
-          </a:ln>
-        </p:spPr>
-      </p:pic>
+        </p:nvSpPr>
+        <p:spPr>
+          <a:xfrm>
+            <a:off x="838080" y="360360"/>
+            <a:ext cx="10514160" cy="713880"/>
+          </a:xfrm>
+          <a:prstGeom prst="rect">
+            <a:avLst/>
+          </a:prstGeom>
+          <a:noFill/>
+          <a:ln w="0">
+            <a:noFill/>
+          </a:ln>
+        </p:spPr>
+        <p:txBody>
+          <a:bodyPr lIns="90000" rIns="90000" tIns="45000" bIns="45000" anchor="ctr">
+            <a:noAutofit/>
+          </a:bodyPr>
+          <a:p>
+            <a:pPr>
+              <a:lnSpc>
+                <a:spcPct val="90000"/>
+              </a:lnSpc>
+              <a:tabLst>
+                <a:tab algn="l" pos="0"/>
+              </a:tabLst>
+            </a:pPr>
+            <a:r>
+              <a:rPr b="0" lang="en-IN" sz="2800" spc="-1" strike="noStrike">
+                <a:solidFill>
+                  <a:srgbClr val="000000"/>
+                </a:solidFill>
+                <a:latin typeface="Calibri Light"/>
+              </a:rPr>
+              <a:t>Application</a:t>
+            </a:r>
+            <a:endParaRPr b="0" lang="en-IN" sz="2800" spc="-1" strike="noStrike">
+              <a:solidFill>
+                <a:srgbClr val="000000"/>
+              </a:solidFill>
+              <a:latin typeface="Arial"/>
+            </a:endParaRPr>
+          </a:p>
+        </p:txBody>
+      </p:sp>
+      <p:sp>
+        <p:nvSpPr>
+          <p:cNvPr id="140" name="PlaceHolder 5"/>
+          <p:cNvSpPr txBox="1"/>
+          <p:nvPr/>
+        </p:nvSpPr>
+        <p:spPr>
+          <a:xfrm>
+            <a:off x="540000" y="1800000"/>
+            <a:ext cx="10514160" cy="2873880"/>
+          </a:xfrm>
+          <a:prstGeom prst="rect">
+            <a:avLst/>
+          </a:prstGeom>
+          <a:noFill/>
+          <a:ln w="0">
+            <a:noFill/>
+          </a:ln>
+        </p:spPr>
+        <p:txBody>
+          <a:bodyPr lIns="90000" rIns="90000" tIns="45000" bIns="45000" anchor="ctr">
+            <a:noAutofit/>
+          </a:bodyPr>
+          <a:p>
+            <a:pPr marL="216000" indent="-216000">
+              <a:lnSpc>
+                <a:spcPct val="90000"/>
+              </a:lnSpc>
+              <a:tabLst>
+                <a:tab algn="l" pos="0"/>
+              </a:tabLst>
+            </a:pPr>
+            <a:r>
+              <a:rPr b="0" lang="en-IN" sz="2800" spc="-1" strike="noStrike">
+                <a:solidFill>
+                  <a:srgbClr val="000000"/>
+                </a:solidFill>
+                <a:latin typeface="Calibri Light"/>
+              </a:rPr>
+              <a:t>Where it can be used ?</a:t>
+            </a:r>
+            <a:br>
+              <a:rPr sz="2800"/>
+            </a:br>
+            <a:br>
+              <a:rPr sz="2800"/>
+            </a:br>
+            <a:r>
+              <a:rPr b="0" lang="en-IN" sz="2800" spc="-1" strike="noStrike">
+                <a:solidFill>
+                  <a:srgbClr val="000000"/>
+                </a:solidFill>
+                <a:latin typeface="Calibri Light"/>
+              </a:rPr>
+              <a:t>	</a:t>
+            </a:r>
+            <a:r>
+              <a:rPr b="0" lang="en-IN" sz="2800" spc="-1" strike="noStrike">
+                <a:solidFill>
+                  <a:srgbClr val="000000"/>
+                </a:solidFill>
+                <a:latin typeface="Calibri Light"/>
+              </a:rPr>
+              <a:t>OverSpeed car number (nameplate) recognition</a:t>
+            </a:r>
+            <a:br>
+              <a:rPr sz="2800"/>
+            </a:br>
+            <a:br>
+              <a:rPr sz="2800"/>
+            </a:br>
+            <a:r>
+              <a:rPr b="0" lang="en-IN" sz="2800" spc="-1" strike="noStrike">
+                <a:solidFill>
+                  <a:srgbClr val="000000"/>
+                </a:solidFill>
+                <a:latin typeface="Calibri Light"/>
+              </a:rPr>
+              <a:t>	</a:t>
+            </a:r>
+            <a:r>
+              <a:rPr b="0" lang="en-IN" sz="2800" spc="-1" strike="noStrike">
+                <a:solidFill>
+                  <a:srgbClr val="000000"/>
+                </a:solidFill>
+                <a:latin typeface="Calibri Light"/>
+              </a:rPr>
+              <a:t>Bank cheque digitization.</a:t>
+            </a:r>
+            <a:br>
+              <a:rPr sz="2800"/>
+            </a:br>
+            <a:br>
+              <a:rPr sz="2800"/>
+            </a:br>
+            <a:r>
+              <a:rPr b="0" lang="en-IN" sz="2800" spc="-1" strike="noStrike">
+                <a:solidFill>
+                  <a:srgbClr val="000000"/>
+                </a:solidFill>
+                <a:latin typeface="Calibri Light"/>
+              </a:rPr>
+              <a:t>	</a:t>
+            </a:r>
+            <a:r>
+              <a:rPr b="0" lang="en-IN" sz="2800" spc="-1" strike="noStrike">
+                <a:solidFill>
+                  <a:srgbClr val="000000"/>
+                </a:solidFill>
+                <a:latin typeface="Calibri Light"/>
+              </a:rPr>
+              <a:t>Postal code recognition</a:t>
+            </a:r>
+            <a:br>
+              <a:rPr sz="2800"/>
+            </a:br>
+            <a:br>
+              <a:rPr sz="2800"/>
+            </a:br>
+            <a:r>
+              <a:rPr b="0" lang="en-IN" sz="2800" spc="-1" strike="noStrike">
+                <a:solidFill>
+                  <a:srgbClr val="000000"/>
+                </a:solidFill>
+                <a:latin typeface="Calibri Light"/>
+              </a:rPr>
+              <a:t>	</a:t>
+            </a:r>
+            <a:r>
+              <a:rPr b="0" lang="en-IN" sz="2800" spc="-1" strike="noStrike">
+                <a:solidFill>
+                  <a:srgbClr val="000000"/>
+                </a:solidFill>
+                <a:latin typeface="Calibri Light"/>
+              </a:rPr>
+              <a:t>Document OCR for hospitals and government </a:t>
+            </a:r>
+            <a:r>
+              <a:rPr b="0" lang="en-IN" sz="2800" spc="-1" strike="noStrike">
+                <a:solidFill>
+                  <a:srgbClr val="000000"/>
+                </a:solidFill>
+                <a:latin typeface="Calibri Light"/>
+              </a:rPr>
+              <a:t>	</a:t>
+            </a:r>
+            <a:r>
+              <a:rPr b="0" lang="en-IN" sz="2800" spc="-1" strike="noStrike">
+                <a:solidFill>
+                  <a:srgbClr val="000000"/>
+                </a:solidFill>
+                <a:latin typeface="Calibri Light"/>
+              </a:rPr>
+              <a:t>	</a:t>
+            </a:r>
+            <a:r>
+              <a:rPr b="0" lang="en-IN" sz="2800" spc="-1" strike="noStrike">
+                <a:solidFill>
+                  <a:srgbClr val="000000"/>
+                </a:solidFill>
+                <a:latin typeface="Calibri Light"/>
+              </a:rPr>
+              <a:t>	</a:t>
+            </a:r>
+            <a:r>
+              <a:rPr b="0" lang="en-IN" sz="2800" spc="-1" strike="noStrike">
+                <a:solidFill>
+                  <a:srgbClr val="000000"/>
+                </a:solidFill>
+                <a:latin typeface="Calibri Light"/>
+              </a:rPr>
+              <a:t>offices</a:t>
+            </a:r>
+            <a:endParaRPr b="0" lang="en-IN" sz="2800" spc="-1" strike="noStrike">
+              <a:solidFill>
+                <a:srgbClr val="000000"/>
+              </a:solidFill>
+              <a:latin typeface="Arial"/>
+            </a:endParaRPr>
+          </a:p>
+        </p:txBody>
+      </p:sp>
     </p:spTree>
   </p:cSld>
   <mc:AlternateContent>
@@ -8627,8 +8995,8 @@
         </p:blipFill>
         <p:spPr>
           <a:xfrm>
-            <a:off x="4140000" y="720000"/>
-            <a:ext cx="3555000" cy="5063040"/>
+            <a:off x="3240000" y="1800000"/>
+            <a:ext cx="5371200" cy="3466080"/>
           </a:xfrm>
           <a:prstGeom prst="rect">
             <a:avLst/>
@@ -8638,6 +9006,116 @@
           </a:ln>
         </p:spPr>
       </p:pic>
+      <p:sp>
+        <p:nvSpPr>
+          <p:cNvPr id="142" name=""/>
+          <p:cNvSpPr/>
+          <p:nvPr/>
+        </p:nvSpPr>
+        <p:spPr>
+          <a:xfrm>
+            <a:off x="1010160" y="553320"/>
+            <a:ext cx="2769120" cy="345960"/>
+          </a:xfrm>
+          <a:prstGeom prst="rect">
+            <a:avLst/>
+          </a:prstGeom>
+          <a:noFill/>
+          <a:ln w="0">
+            <a:noFill/>
+          </a:ln>
+        </p:spPr>
+        <p:style>
+          <a:lnRef idx="0"/>
+          <a:fillRef idx="0"/>
+          <a:effectRef idx="0"/>
+          <a:fontRef idx="minor"/>
+        </p:style>
+        <p:txBody>
+          <a:bodyPr lIns="90000" rIns="90000" tIns="45000" bIns="45000" anchor="t">
+            <a:noAutofit/>
+          </a:bodyPr>
+          <a:p>
+            <a:pPr>
+              <a:lnSpc>
+                <a:spcPct val="100000"/>
+              </a:lnSpc>
+            </a:pPr>
+            <a:r>
+              <a:rPr b="0" lang="en-IN" sz="1800" spc="-1" strike="noStrike">
+                <a:solidFill>
+                  <a:srgbClr val="000000"/>
+                </a:solidFill>
+                <a:latin typeface="Arial"/>
+                <a:ea typeface="DejaVu Sans"/>
+              </a:rPr>
+              <a:t>Application is live at : </a:t>
+            </a:r>
+            <a:endParaRPr b="0" lang="en-IN" sz="1800" spc="-1" strike="noStrike">
+              <a:solidFill>
+                <a:srgbClr val="000000"/>
+              </a:solidFill>
+              <a:latin typeface="Arial"/>
+            </a:endParaRPr>
+          </a:p>
+        </p:txBody>
+      </p:sp>
+      <p:sp>
+        <p:nvSpPr>
+          <p:cNvPr id="143" name=""/>
+          <p:cNvSpPr/>
+          <p:nvPr/>
+        </p:nvSpPr>
+        <p:spPr>
+          <a:xfrm>
+            <a:off x="3170160" y="553320"/>
+            <a:ext cx="2769120" cy="345960"/>
+          </a:xfrm>
+          <a:prstGeom prst="rect">
+            <a:avLst/>
+          </a:prstGeom>
+          <a:noFill/>
+          <a:ln w="0">
+            <a:noFill/>
+          </a:ln>
+        </p:spPr>
+        <p:style>
+          <a:lnRef idx="0"/>
+          <a:fillRef idx="0"/>
+          <a:effectRef idx="0"/>
+          <a:fontRef idx="minor"/>
+        </p:style>
+        <p:txBody>
+          <a:bodyPr lIns="90000" rIns="90000" tIns="45000" bIns="45000" anchor="t">
+            <a:noAutofit/>
+          </a:bodyPr>
+          <a:p>
+            <a:pPr>
+              <a:lnSpc>
+                <a:spcPct val="100000"/>
+              </a:lnSpc>
+            </a:pPr>
+            <a:r>
+              <a:rPr b="0" lang="en-IN" sz="1800" spc="-1" strike="noStrike" u="sng">
+                <a:solidFill>
+                  <a:srgbClr val="0563c1"/>
+                </a:solidFill>
+                <a:uFillTx/>
+                <a:latin typeface="Arial"/>
+                <a:ea typeface="DejaVu Sans"/>
+                <a:hlinkClick r:id="rId2"/>
+              </a:rPr>
+              <a:t>https://ocr-pro.pages.dev/</a:t>
+            </a:r>
+            <a:endParaRPr b="0" lang="en-IN" sz="1800" spc="-1" strike="noStrike">
+              <a:solidFill>
+                <a:srgbClr val="000000"/>
+              </a:solidFill>
+              <a:latin typeface="Arial"/>
+            </a:endParaRPr>
+          </a:p>
+        </p:txBody>
+      </p:sp>
     </p:spTree>
   </p:cSld>
   <mc:AlternateContent>
@@ -8681,7 +9159,7 @@
         <p:spPr>
           <a:xfrm>
             <a:off x="838080" y="365040"/>
-            <a:ext cx="10514520" cy="714240"/>
+            <a:ext cx="10514160" cy="713880"/>
           </a:xfrm>
           <a:prstGeom prst="rect">
             <a:avLst/>
@@ -8736,7 +9214,7 @@
         <p:spPr>
           <a:xfrm>
             <a:off x="1004760" y="1620000"/>
-            <a:ext cx="10514520" cy="4350240"/>
+            <a:ext cx="10514160" cy="4349880"/>
           </a:xfrm>
           <a:prstGeom prst="rect">
             <a:avLst/>
@@ -8974,6 +9452,112 @@
           </a:p>
         </p:txBody>
       </p:sp>
+    </p:spTree>
+  </p:cSld>
+  <mc:AlternateContent>
+    <mc:Choice Requires="p14">
+      <p:transition spd="slow" p14:dur="2000"/>
+    </mc:Choice>
+    <mc:Fallback>
+      <p:transition spd="slow"/>
+    </mc:Fallback>
+  </mc:AlternateContent>
+</p:sld>
+</file>
+
+<file path=ppt/slides/slide20.xml><?xml version="1.0" encoding="utf-8"?>
+<p:sld xmlns:a="http://schemas.openxmlformats.org/drawingml/2006/main" xmlns:p="http://schemas.openxmlformats.org/presentationml/2006/main" xmlns:r="http://schemas.openxmlformats.org/officeDocument/2006/relationships" xmlns:p14="http://schemas.microsoft.com/office/powerpoint/2010/main" xmlns:p15="http://schemas.microsoft.com/office/powerpoint/2012/main" xmlns:mc="http://schemas.openxmlformats.org/markup-compatibility/2006">
+  <p:cSld>
+    <p:spTree>
+      <p:nvGrpSpPr>
+        <p:cNvPr id="1" name=""/>
+        <p:cNvGrpSpPr/>
+        <p:nvPr/>
+      </p:nvGrpSpPr>
+      <p:grpSpPr>
+        <a:xfrm>
+          <a:off x="0" y="0"/>
+          <a:ext cx="0" cy="0"/>
+          <a:chOff x="0" y="0"/>
+          <a:chExt cx="0" cy="0"/>
+        </a:xfrm>
+      </p:grpSpPr>
+      <p:pic>
+        <p:nvPicPr>
+          <p:cNvPr id="144" name="" descr=""/>
+          <p:cNvPicPr/>
+          <p:nvPr/>
+        </p:nvPicPr>
+        <p:blipFill>
+          <a:blip r:embed="rId1"/>
+          <a:stretch/>
+        </p:blipFill>
+        <p:spPr>
+          <a:xfrm>
+            <a:off x="3420000" y="553680"/>
+            <a:ext cx="4859280" cy="5565600"/>
+          </a:xfrm>
+          <a:prstGeom prst="rect">
+            <a:avLst/>
+          </a:prstGeom>
+          <a:ln w="0">
+            <a:noFill/>
+          </a:ln>
+        </p:spPr>
+      </p:pic>
+    </p:spTree>
+  </p:cSld>
+  <mc:AlternateContent>
+    <mc:Choice Requires="p14">
+      <p:transition spd="slow" p14:dur="2000"/>
+    </mc:Choice>
+    <mc:Fallback>
+      <p:transition spd="slow"/>
+    </mc:Fallback>
+  </mc:AlternateContent>
+</p:sld>
+</file>
+
+<file path=ppt/slides/slide21.xml><?xml version="1.0" encoding="utf-8"?>
+<p:sld xmlns:a="http://schemas.openxmlformats.org/drawingml/2006/main" xmlns:p="http://schemas.openxmlformats.org/presentationml/2006/main" xmlns:r="http://schemas.openxmlformats.org/officeDocument/2006/relationships" xmlns:p14="http://schemas.microsoft.com/office/powerpoint/2010/main" xmlns:p15="http://schemas.microsoft.com/office/powerpoint/2012/main" xmlns:mc="http://schemas.openxmlformats.org/markup-compatibility/2006">
+  <p:cSld>
+    <p:spTree>
+      <p:nvGrpSpPr>
+        <p:cNvPr id="1" name=""/>
+        <p:cNvGrpSpPr/>
+        <p:nvPr/>
+      </p:nvGrpSpPr>
+      <p:grpSpPr>
+        <a:xfrm>
+          <a:off x="0" y="0"/>
+          <a:ext cx="0" cy="0"/>
+          <a:chOff x="0" y="0"/>
+          <a:chExt cx="0" cy="0"/>
+        </a:xfrm>
+      </p:grpSpPr>
+      <p:pic>
+        <p:nvPicPr>
+          <p:cNvPr id="145" name="" descr=""/>
+          <p:cNvPicPr/>
+          <p:nvPr/>
+        </p:nvPicPr>
+        <p:blipFill>
+          <a:blip r:embed="rId1"/>
+          <a:stretch/>
+        </p:blipFill>
+        <p:spPr>
+          <a:xfrm>
+            <a:off x="4140000" y="720000"/>
+            <a:ext cx="3554640" cy="5062680"/>
+          </a:xfrm>
+          <a:prstGeom prst="rect">
+            <a:avLst/>
+          </a:prstGeom>
+          <a:ln w="0">
+            <a:noFill/>
+          </a:ln>
+        </p:spPr>
+      </p:pic>
     </p:spTree>
   </p:cSld>
   <mc:AlternateContent>
@@ -9017,7 +9601,7 @@
         <p:spPr>
           <a:xfrm>
             <a:off x="838080" y="365040"/>
-            <a:ext cx="10514520" cy="714240"/>
+            <a:ext cx="10514160" cy="713880"/>
           </a:xfrm>
           <a:prstGeom prst="rect">
             <a:avLst/>
@@ -9072,7 +9656,7 @@
         <p:spPr>
           <a:xfrm>
             <a:off x="1004760" y="1620000"/>
-            <a:ext cx="10514520" cy="4350240"/>
+            <a:ext cx="10514160" cy="4349880"/>
           </a:xfrm>
           <a:prstGeom prst="rect">
             <a:avLst/>
@@ -9255,7 +9839,7 @@
         <p:spPr>
           <a:xfrm>
             <a:off x="838080" y="365040"/>
-            <a:ext cx="10514520" cy="714240"/>
+            <a:ext cx="10514160" cy="713880"/>
           </a:xfrm>
           <a:prstGeom prst="rect">
             <a:avLst/>
@@ -9310,7 +9894,7 @@
         <p:spPr>
           <a:xfrm>
             <a:off x="1005120" y="1620000"/>
-            <a:ext cx="10514520" cy="4350240"/>
+            <a:ext cx="10514160" cy="4349880"/>
           </a:xfrm>
           <a:prstGeom prst="rect">
             <a:avLst/>
@@ -9470,7 +10054,7 @@
                 </a:solidFill>
                 <a:latin typeface="Calibri"/>
               </a:rPr>
-              <a:t>Deployment: (Optional) A the model into real-world applications.</a:t>
+              <a:t>Deployment: Deploy the model into real-world applications.</a:t>
             </a:r>
             <a:endParaRPr b="0" lang="en-IN" sz="2000" spc="-1" strike="noStrike">
               <a:solidFill>
@@ -9524,7 +10108,7 @@
         <p:spPr>
           <a:xfrm>
             <a:off x="838080" y="360000"/>
-            <a:ext cx="10514520" cy="714240"/>
+            <a:ext cx="10514160" cy="713880"/>
           </a:xfrm>
           <a:prstGeom prst="rect">
             <a:avLst/>
@@ -9579,7 +10163,7 @@
         <p:spPr>
           <a:xfrm>
             <a:off x="1005120" y="1080000"/>
-            <a:ext cx="10514520" cy="4350240"/>
+            <a:ext cx="10514160" cy="4349880"/>
           </a:xfrm>
           <a:prstGeom prst="rect">
             <a:avLst/>
@@ -10036,7 +10620,7 @@
         <p:spPr>
           <a:xfrm>
             <a:off x="838080" y="360000"/>
-            <a:ext cx="10514520" cy="714240"/>
+            <a:ext cx="10514160" cy="713880"/>
           </a:xfrm>
           <a:prstGeom prst="rect">
             <a:avLst/>
@@ -10091,7 +10675,7 @@
         <p:spPr>
           <a:xfrm>
             <a:off x="1005120" y="1080000"/>
-            <a:ext cx="10514520" cy="4350240"/>
+            <a:ext cx="10514160" cy="4349880"/>
           </a:xfrm>
           <a:prstGeom prst="rect">
             <a:avLst/>
@@ -10149,7 +10733,7 @@
         <p:spPr>
           <a:xfrm>
             <a:off x="1980000" y="2339640"/>
-            <a:ext cx="7739640" cy="4140000"/>
+            <a:ext cx="7739280" cy="4139640"/>
           </a:xfrm>
           <a:prstGeom prst="rect">
             <a:avLst/>
@@ -10202,7 +10786,7 @@
         <p:spPr>
           <a:xfrm>
             <a:off x="838080" y="360000"/>
-            <a:ext cx="10514520" cy="714240"/>
+            <a:ext cx="10514160" cy="713880"/>
           </a:xfrm>
           <a:prstGeom prst="rect">
             <a:avLst/>
@@ -10257,7 +10841,7 @@
         <p:spPr>
           <a:xfrm>
             <a:off x="2520000" y="1451160"/>
-            <a:ext cx="6638400" cy="3768480"/>
+            <a:ext cx="6638040" cy="3768120"/>
           </a:xfrm>
           <a:prstGeom prst="rect">
             <a:avLst/>
@@ -10310,7 +10894,7 @@
         <p:spPr>
           <a:xfrm>
             <a:off x="838080" y="360000"/>
-            <a:ext cx="10514520" cy="714240"/>
+            <a:ext cx="10514160" cy="713880"/>
           </a:xfrm>
           <a:prstGeom prst="rect">
             <a:avLst/>
@@ -10365,7 +10949,7 @@
         <p:spPr>
           <a:xfrm>
             <a:off x="1794600" y="1508400"/>
-            <a:ext cx="7205040" cy="4431240"/>
+            <a:ext cx="7204680" cy="4430880"/>
           </a:xfrm>
           <a:prstGeom prst="rect">
             <a:avLst/>
@@ -10418,7 +11002,7 @@
         <p:spPr>
           <a:xfrm>
             <a:off x="838080" y="360000"/>
-            <a:ext cx="10514520" cy="714240"/>
+            <a:ext cx="10514160" cy="713880"/>
           </a:xfrm>
           <a:prstGeom prst="rect">
             <a:avLst/>
@@ -10473,7 +11057,7 @@
         <p:spPr>
           <a:xfrm>
             <a:off x="2340000" y="2227680"/>
-            <a:ext cx="6409440" cy="3351960"/>
+            <a:ext cx="6409080" cy="3351600"/>
           </a:xfrm>
           <a:prstGeom prst="rect">
             <a:avLst/>
